--- a/Doc/Lukacs_Botond_prezentacio.pptx
+++ b/Doc/Lukacs_Botond_prezentacio.pptx
@@ -11,12 +11,17 @@
     <p:sldId id="264" r:id="rId5"/>
     <p:sldId id="265" r:id="rId6"/>
     <p:sldId id="268" r:id="rId7"/>
-    <p:sldId id="266" r:id="rId8"/>
-    <p:sldId id="260" r:id="rId9"/>
-    <p:sldId id="261" r:id="rId10"/>
-    <p:sldId id="267" r:id="rId11"/>
-    <p:sldId id="262" r:id="rId12"/>
-    <p:sldId id="263" r:id="rId13"/>
+    <p:sldId id="272" r:id="rId8"/>
+    <p:sldId id="269" r:id="rId9"/>
+    <p:sldId id="266" r:id="rId10"/>
+    <p:sldId id="271" r:id="rId11"/>
+    <p:sldId id="270" r:id="rId12"/>
+    <p:sldId id="260" r:id="rId13"/>
+    <p:sldId id="273" r:id="rId14"/>
+    <p:sldId id="261" r:id="rId15"/>
+    <p:sldId id="267" r:id="rId16"/>
+    <p:sldId id="262" r:id="rId17"/>
+    <p:sldId id="263" r:id="rId18"/>
   </p:sldIdLst>
   <p:sldSz cx="12192000" cy="6858000"/>
   <p:notesSz cx="6858000" cy="9144000"/>
@@ -115,6 +120,11 @@
       </a:defRPr>
     </a:lvl9pPr>
   </p:defaultTextStyle>
+  <p:extLst>
+    <p:ext uri="{EFAFB233-063F-42B5-8137-9DF3F51BA10A}">
+      <p15:sldGuideLst xmlns:p15="http://schemas.microsoft.com/office/powerpoint/2012/main"/>
+    </p:ext>
+  </p:extLst>
 </p:presentation>
 </file>
 
@@ -449,7 +459,7 @@
           <a:p>
             <a:fld id="{A42090FE-FF99-45F9-A5B0-770EC161A953}" type="datetimeFigureOut">
               <a:rPr lang="en-GB" smtClean="0"/>
-              <a:t>26/06/2022</a:t>
+              <a:t>27/06/2022</a:t>
             </a:fld>
             <a:endParaRPr lang="en-GB"/>
           </a:p>
@@ -773,7 +783,7 @@
           <a:p>
             <a:fld id="{A42090FE-FF99-45F9-A5B0-770EC161A953}" type="datetimeFigureOut">
               <a:rPr lang="en-GB" smtClean="0"/>
-              <a:t>26/06/2022</a:t>
+              <a:t>27/06/2022</a:t>
             </a:fld>
             <a:endParaRPr lang="en-GB"/>
           </a:p>
@@ -1021,7 +1031,7 @@
           <a:p>
             <a:fld id="{A42090FE-FF99-45F9-A5B0-770EC161A953}" type="datetimeFigureOut">
               <a:rPr lang="en-GB" smtClean="0"/>
-              <a:t>26/06/2022</a:t>
+              <a:t>27/06/2022</a:t>
             </a:fld>
             <a:endParaRPr lang="en-GB"/>
           </a:p>
@@ -1360,7 +1370,7 @@
           <a:p>
             <a:fld id="{A42090FE-FF99-45F9-A5B0-770EC161A953}" type="datetimeFigureOut">
               <a:rPr lang="en-GB" smtClean="0"/>
-              <a:t>26/06/2022</a:t>
+              <a:t>27/06/2022</a:t>
             </a:fld>
             <a:endParaRPr lang="en-GB"/>
           </a:p>
@@ -1707,7 +1717,7 @@
           <a:p>
             <a:fld id="{A42090FE-FF99-45F9-A5B0-770EC161A953}" type="datetimeFigureOut">
               <a:rPr lang="en-GB" smtClean="0"/>
-              <a:t>26/06/2022</a:t>
+              <a:t>27/06/2022</a:t>
             </a:fld>
             <a:endParaRPr lang="en-GB"/>
           </a:p>
@@ -2081,7 +2091,7 @@
           <a:p>
             <a:fld id="{A42090FE-FF99-45F9-A5B0-770EC161A953}" type="datetimeFigureOut">
               <a:rPr lang="en-GB" smtClean="0"/>
-              <a:t>26/06/2022</a:t>
+              <a:t>27/06/2022</a:t>
             </a:fld>
             <a:endParaRPr lang="en-GB"/>
           </a:p>
@@ -2551,7 +2561,7 @@
           <a:p>
             <a:fld id="{A42090FE-FF99-45F9-A5B0-770EC161A953}" type="datetimeFigureOut">
               <a:rPr lang="en-GB" smtClean="0"/>
-              <a:t>26/06/2022</a:t>
+              <a:t>27/06/2022</a:t>
             </a:fld>
             <a:endParaRPr lang="en-GB"/>
           </a:p>
@@ -2756,7 +2766,7 @@
           <a:p>
             <a:fld id="{A42090FE-FF99-45F9-A5B0-770EC161A953}" type="datetimeFigureOut">
               <a:rPr lang="en-GB" smtClean="0"/>
-              <a:t>26/06/2022</a:t>
+              <a:t>27/06/2022</a:t>
             </a:fld>
             <a:endParaRPr lang="en-GB"/>
           </a:p>
@@ -2967,7 +2977,7 @@
           <a:p>
             <a:fld id="{A42090FE-FF99-45F9-A5B0-770EC161A953}" type="datetimeFigureOut">
               <a:rPr lang="en-GB" smtClean="0"/>
-              <a:t>26/06/2022</a:t>
+              <a:t>27/06/2022</a:t>
             </a:fld>
             <a:endParaRPr lang="en-GB"/>
           </a:p>
@@ -3199,7 +3209,7 @@
           <a:p>
             <a:fld id="{A42090FE-FF99-45F9-A5B0-770EC161A953}" type="datetimeFigureOut">
               <a:rPr lang="en-GB" smtClean="0"/>
-              <a:t>26/06/2022</a:t>
+              <a:t>27/06/2022</a:t>
             </a:fld>
             <a:endParaRPr lang="en-GB"/>
           </a:p>
@@ -3447,7 +3457,7 @@
           <a:p>
             <a:fld id="{A42090FE-FF99-45F9-A5B0-770EC161A953}" type="datetimeFigureOut">
               <a:rPr lang="en-GB" smtClean="0"/>
-              <a:t>26/06/2022</a:t>
+              <a:t>27/06/2022</a:t>
             </a:fld>
             <a:endParaRPr lang="en-GB"/>
           </a:p>
@@ -3745,7 +3755,7 @@
           <a:p>
             <a:fld id="{A42090FE-FF99-45F9-A5B0-770EC161A953}" type="datetimeFigureOut">
               <a:rPr lang="en-GB" smtClean="0"/>
-              <a:t>26/06/2022</a:t>
+              <a:t>27/06/2022</a:t>
             </a:fld>
             <a:endParaRPr lang="en-GB"/>
           </a:p>
@@ -4139,7 +4149,7 @@
           <a:p>
             <a:fld id="{A42090FE-FF99-45F9-A5B0-770EC161A953}" type="datetimeFigureOut">
               <a:rPr lang="en-GB" smtClean="0"/>
-              <a:t>26/06/2022</a:t>
+              <a:t>27/06/2022</a:t>
             </a:fld>
             <a:endParaRPr lang="en-GB"/>
           </a:p>
@@ -4288,7 +4298,7 @@
           <a:p>
             <a:fld id="{A42090FE-FF99-45F9-A5B0-770EC161A953}" type="datetimeFigureOut">
               <a:rPr lang="en-GB" smtClean="0"/>
-              <a:t>26/06/2022</a:t>
+              <a:t>27/06/2022</a:t>
             </a:fld>
             <a:endParaRPr lang="en-GB"/>
           </a:p>
@@ -4414,7 +4424,7 @@
           <a:p>
             <a:fld id="{A42090FE-FF99-45F9-A5B0-770EC161A953}" type="datetimeFigureOut">
               <a:rPr lang="en-GB" smtClean="0"/>
-              <a:t>26/06/2022</a:t>
+              <a:t>27/06/2022</a:t>
             </a:fld>
             <a:endParaRPr lang="en-GB"/>
           </a:p>
@@ -4669,7 +4679,7 @@
           <a:p>
             <a:fld id="{A42090FE-FF99-45F9-A5B0-770EC161A953}" type="datetimeFigureOut">
               <a:rPr lang="en-GB" smtClean="0"/>
-              <a:t>26/06/2022</a:t>
+              <a:t>27/06/2022</a:t>
             </a:fld>
             <a:endParaRPr lang="en-GB"/>
           </a:p>
@@ -4984,7 +4994,7 @@
           <a:p>
             <a:fld id="{A42090FE-FF99-45F9-A5B0-770EC161A953}" type="datetimeFigureOut">
               <a:rPr lang="en-GB" smtClean="0"/>
-              <a:t>26/06/2022</a:t>
+              <a:t>27/06/2022</a:t>
             </a:fld>
             <a:endParaRPr lang="en-GB"/>
           </a:p>
@@ -5335,7 +5345,7 @@
           <a:p>
             <a:fld id="{A42090FE-FF99-45F9-A5B0-770EC161A953}" type="datetimeFigureOut">
               <a:rPr lang="en-GB" smtClean="0"/>
-              <a:t>26/06/2022</a:t>
+              <a:t>27/06/2022</a:t>
             </a:fld>
             <a:endParaRPr lang="en-GB"/>
           </a:p>
@@ -5994,14 +6004,12 @@
         </p:nvSpPr>
         <p:spPr/>
         <p:txBody>
-          <a:bodyPr>
-            <a:normAutofit/>
-          </a:bodyPr>
+          <a:bodyPr/>
           <a:lstStyle/>
           <a:p>
             <a:r>
               <a:rPr lang="hu-HU" dirty="0" smtClean="0"/>
-              <a:t>Kondenzátor mérés</a:t>
+              <a:t>Mérő áramkör ellenállás mérés esetén</a:t>
             </a:r>
             <a:endParaRPr lang="en-GB" dirty="0"/>
           </a:p>
@@ -6009,7 +6017,7 @@
       </p:sp>
       <p:pic>
         <p:nvPicPr>
-          <p:cNvPr id="4" name="Tartalom helye 3"/>
+          <p:cNvPr id="6" name="Tartalom helye 5"/>
           <p:cNvPicPr>
             <a:picLocks noGrp="1" noChangeAspect="1"/>
           </p:cNvPicPr>
@@ -6031,15 +6039,15 @@
         </p:blipFill>
         <p:spPr>
           <a:xfrm>
-            <a:off x="3032545" y="2447735"/>
-            <a:ext cx="6126910" cy="3788473"/>
+            <a:off x="2885627" y="2514435"/>
+            <a:ext cx="6420746" cy="2772162"/>
           </a:xfrm>
         </p:spPr>
       </p:pic>
     </p:spTree>
     <p:extLst>
       <p:ext uri="{BB962C8B-B14F-4D97-AF65-F5344CB8AC3E}">
-        <p14:creationId xmlns:p14="http://schemas.microsoft.com/office/powerpoint/2010/main" val="2858306911"/>
+        <p14:creationId xmlns:p14="http://schemas.microsoft.com/office/powerpoint/2010/main" val="3370018545"/>
       </p:ext>
     </p:extLst>
   </p:cSld>
@@ -6076,6 +6084,452 @@
             <p:ph type="title"/>
           </p:nvPr>
         </p:nvSpPr>
+        <p:spPr>
+          <a:xfrm>
+            <a:off x="8986057" y="1253065"/>
+            <a:ext cx="2492431" cy="1303867"/>
+          </a:xfrm>
+        </p:spPr>
+        <p:txBody>
+          <a:bodyPr>
+            <a:normAutofit fontScale="90000"/>
+          </a:bodyPr>
+          <a:lstStyle/>
+          <a:p>
+            <a:r>
+              <a:rPr lang="hu-HU" dirty="0" smtClean="0"/>
+              <a:t>Áramköri rajz</a:t>
+            </a:r>
+            <a:endParaRPr lang="en-GB" dirty="0"/>
+          </a:p>
+        </p:txBody>
+      </p:sp>
+      <p:pic>
+        <p:nvPicPr>
+          <p:cNvPr id="4" name="Tartalom helye 3"/>
+          <p:cNvPicPr>
+            <a:picLocks noGrp="1" noChangeAspect="1"/>
+          </p:cNvPicPr>
+          <p:nvPr>
+            <p:ph idx="1"/>
+          </p:nvPr>
+        </p:nvPicPr>
+        <p:blipFill>
+          <a:blip r:embed="rId2">
+            <a:extLst>
+              <a:ext uri="{28A0092B-C50C-407E-A947-70E740481C1C}">
+                <a14:useLocalDpi xmlns:a14="http://schemas.microsoft.com/office/drawing/2010/main" val="0"/>
+              </a:ext>
+            </a:extLst>
+          </a:blip>
+          <a:stretch>
+            <a:fillRect/>
+          </a:stretch>
+        </p:blipFill>
+        <p:spPr>
+          <a:xfrm>
+            <a:off x="781257" y="1904998"/>
+            <a:ext cx="8354430" cy="4195947"/>
+          </a:xfrm>
+        </p:spPr>
+      </p:pic>
+    </p:spTree>
+    <p:extLst>
+      <p:ext uri="{BB962C8B-B14F-4D97-AF65-F5344CB8AC3E}">
+        <p14:creationId xmlns:p14="http://schemas.microsoft.com/office/powerpoint/2010/main" val="3543203634"/>
+      </p:ext>
+    </p:extLst>
+  </p:cSld>
+  <p:clrMapOvr>
+    <a:masterClrMapping/>
+  </p:clrMapOvr>
+</p:sld>
+</file>
+
+<file path=ppt/slides/slide12.xml><?xml version="1.0" encoding="utf-8"?>
+<p:sld xmlns:a="http://schemas.openxmlformats.org/drawingml/2006/main" xmlns:r="http://schemas.openxmlformats.org/officeDocument/2006/relationships" xmlns:p="http://schemas.openxmlformats.org/presentationml/2006/main">
+  <p:cSld>
+    <p:spTree>
+      <p:nvGrpSpPr>
+        <p:cNvPr id="1" name=""/>
+        <p:cNvGrpSpPr/>
+        <p:nvPr/>
+      </p:nvGrpSpPr>
+      <p:grpSpPr>
+        <a:xfrm>
+          <a:off x="0" y="0"/>
+          <a:ext cx="0" cy="0"/>
+          <a:chOff x="0" y="0"/>
+          <a:chExt cx="0" cy="0"/>
+        </a:xfrm>
+      </p:grpSpPr>
+      <p:sp>
+        <p:nvSpPr>
+          <p:cNvPr id="2" name="Cím 1"/>
+          <p:cNvSpPr>
+            <a:spLocks noGrp="1"/>
+          </p:cNvSpPr>
+          <p:nvPr>
+            <p:ph type="title"/>
+          </p:nvPr>
+        </p:nvSpPr>
+        <p:spPr/>
+        <p:txBody>
+          <a:bodyPr/>
+          <a:lstStyle/>
+          <a:p>
+            <a:r>
+              <a:rPr lang="hu-HU" dirty="0" smtClean="0"/>
+              <a:t>Alkalmazás tesztelése</a:t>
+            </a:r>
+            <a:endParaRPr lang="en-GB" dirty="0"/>
+          </a:p>
+        </p:txBody>
+      </p:sp>
+      <p:sp>
+        <p:nvSpPr>
+          <p:cNvPr id="3" name="Tartalom helye 2"/>
+          <p:cNvSpPr>
+            <a:spLocks noGrp="1"/>
+          </p:cNvSpPr>
+          <p:nvPr>
+            <p:ph idx="1"/>
+          </p:nvPr>
+        </p:nvSpPr>
+        <p:spPr/>
+        <p:txBody>
+          <a:bodyPr/>
+          <a:lstStyle/>
+          <a:p>
+            <a:r>
+              <a:rPr lang="hu-HU" dirty="0" smtClean="0"/>
+              <a:t>Tesztelés során a névleges adatokat egy mérőműszerrel és az általam készített teszterrel hasonlítottam össze.</a:t>
+            </a:r>
+          </a:p>
+          <a:p>
+            <a:r>
+              <a:rPr lang="hu-HU" dirty="0" smtClean="0"/>
+              <a:t>Ellenállás esetén a határ 0-32k, ez fölött a pontosság nagyban csökken.</a:t>
+            </a:r>
+          </a:p>
+          <a:p>
+            <a:r>
+              <a:rPr lang="hu-HU" dirty="0" smtClean="0"/>
+              <a:t>Kondenzátor esetén 60nF és 8uF közt mér pontos értékeket.</a:t>
+            </a:r>
+          </a:p>
+          <a:p>
+            <a:r>
+              <a:rPr lang="hu-HU" dirty="0" smtClean="0"/>
+              <a:t>Félvezetők esetén a nyitó feszültség 3V alatt kell legyen.</a:t>
+            </a:r>
+            <a:endParaRPr lang="hu-HU" dirty="0"/>
+          </a:p>
+          <a:p>
+            <a:endParaRPr lang="hu-HU" dirty="0" smtClean="0"/>
+          </a:p>
+        </p:txBody>
+      </p:sp>
+    </p:spTree>
+    <p:extLst>
+      <p:ext uri="{BB962C8B-B14F-4D97-AF65-F5344CB8AC3E}">
+        <p14:creationId xmlns:p14="http://schemas.microsoft.com/office/powerpoint/2010/main" val="644224302"/>
+      </p:ext>
+    </p:extLst>
+  </p:cSld>
+  <p:clrMapOvr>
+    <a:masterClrMapping/>
+  </p:clrMapOvr>
+</p:sld>
+</file>
+
+<file path=ppt/slides/slide13.xml><?xml version="1.0" encoding="utf-8"?>
+<p:sld xmlns:a="http://schemas.openxmlformats.org/drawingml/2006/main" xmlns:r="http://schemas.openxmlformats.org/officeDocument/2006/relationships" xmlns:p="http://schemas.openxmlformats.org/presentationml/2006/main">
+  <p:cSld>
+    <p:spTree>
+      <p:nvGrpSpPr>
+        <p:cNvPr id="1" name=""/>
+        <p:cNvGrpSpPr/>
+        <p:nvPr/>
+      </p:nvGrpSpPr>
+      <p:grpSpPr>
+        <a:xfrm>
+          <a:off x="0" y="0"/>
+          <a:ext cx="0" cy="0"/>
+          <a:chOff x="0" y="0"/>
+          <a:chExt cx="0" cy="0"/>
+        </a:xfrm>
+      </p:grpSpPr>
+      <p:sp>
+        <p:nvSpPr>
+          <p:cNvPr id="2" name="Cím 1"/>
+          <p:cNvSpPr>
+            <a:spLocks noGrp="1"/>
+          </p:cNvSpPr>
+          <p:nvPr>
+            <p:ph type="title"/>
+          </p:nvPr>
+        </p:nvSpPr>
+        <p:spPr/>
+        <p:txBody>
+          <a:bodyPr/>
+          <a:lstStyle/>
+          <a:p>
+            <a:r>
+              <a:rPr lang="hu-HU" dirty="0" smtClean="0"/>
+              <a:t>Eredmények megjelenítése</a:t>
+            </a:r>
+            <a:endParaRPr lang="en-GB" dirty="0"/>
+          </a:p>
+        </p:txBody>
+      </p:sp>
+      <p:pic>
+        <p:nvPicPr>
+          <p:cNvPr id="4" name="Tartalom helye 3"/>
+          <p:cNvPicPr>
+            <a:picLocks noGrp="1" noChangeAspect="1"/>
+          </p:cNvPicPr>
+          <p:nvPr>
+            <p:ph idx="1"/>
+          </p:nvPr>
+        </p:nvPicPr>
+        <p:blipFill>
+          <a:blip r:embed="rId2">
+            <a:extLst>
+              <a:ext uri="{28A0092B-C50C-407E-A947-70E740481C1C}">
+                <a14:useLocalDpi xmlns:a14="http://schemas.microsoft.com/office/drawing/2010/main" val="0"/>
+              </a:ext>
+            </a:extLst>
+          </a:blip>
+          <a:stretch>
+            <a:fillRect/>
+          </a:stretch>
+        </p:blipFill>
+        <p:spPr>
+          <a:xfrm>
+            <a:off x="7202895" y="2285999"/>
+            <a:ext cx="3693703" cy="3366656"/>
+          </a:xfrm>
+        </p:spPr>
+      </p:pic>
+    </p:spTree>
+    <p:extLst>
+      <p:ext uri="{BB962C8B-B14F-4D97-AF65-F5344CB8AC3E}">
+        <p14:creationId xmlns:p14="http://schemas.microsoft.com/office/powerpoint/2010/main" val="1074599727"/>
+      </p:ext>
+    </p:extLst>
+  </p:cSld>
+  <p:clrMapOvr>
+    <a:masterClrMapping/>
+  </p:clrMapOvr>
+</p:sld>
+</file>
+
+<file path=ppt/slides/slide14.xml><?xml version="1.0" encoding="utf-8"?>
+<p:sld xmlns:a="http://schemas.openxmlformats.org/drawingml/2006/main" xmlns:r="http://schemas.openxmlformats.org/officeDocument/2006/relationships" xmlns:p="http://schemas.openxmlformats.org/presentationml/2006/main">
+  <p:cSld>
+    <p:spTree>
+      <p:nvGrpSpPr>
+        <p:cNvPr id="1" name=""/>
+        <p:cNvGrpSpPr/>
+        <p:nvPr/>
+      </p:nvGrpSpPr>
+      <p:grpSpPr>
+        <a:xfrm>
+          <a:off x="0" y="0"/>
+          <a:ext cx="0" cy="0"/>
+          <a:chOff x="0" y="0"/>
+          <a:chExt cx="0" cy="0"/>
+        </a:xfrm>
+      </p:grpSpPr>
+      <p:sp>
+        <p:nvSpPr>
+          <p:cNvPr id="2" name="Cím 1"/>
+          <p:cNvSpPr>
+            <a:spLocks noGrp="1"/>
+          </p:cNvSpPr>
+          <p:nvPr>
+            <p:ph type="title"/>
+          </p:nvPr>
+        </p:nvSpPr>
+        <p:spPr>
+          <a:xfrm>
+            <a:off x="8660479" y="1273076"/>
+            <a:ext cx="2586642" cy="1303867"/>
+          </a:xfrm>
+        </p:spPr>
+        <p:txBody>
+          <a:bodyPr>
+            <a:normAutofit fontScale="90000"/>
+          </a:bodyPr>
+          <a:lstStyle/>
+          <a:p>
+            <a:r>
+              <a:rPr lang="hu-HU" dirty="0" smtClean="0"/>
+              <a:t>Ellenállás tesztelés</a:t>
+            </a:r>
+            <a:endParaRPr lang="en-GB" dirty="0"/>
+          </a:p>
+        </p:txBody>
+      </p:sp>
+      <p:pic>
+        <p:nvPicPr>
+          <p:cNvPr id="7" name="Tartalom helye 6"/>
+          <p:cNvPicPr>
+            <a:picLocks noGrp="1" noChangeAspect="1"/>
+          </p:cNvPicPr>
+          <p:nvPr>
+            <p:ph idx="1"/>
+          </p:nvPr>
+        </p:nvPicPr>
+        <p:blipFill>
+          <a:blip r:embed="rId2">
+            <a:extLst>
+              <a:ext uri="{28A0092B-C50C-407E-A947-70E740481C1C}">
+                <a14:useLocalDpi xmlns:a14="http://schemas.microsoft.com/office/drawing/2010/main" val="0"/>
+              </a:ext>
+            </a:extLst>
+          </a:blip>
+          <a:stretch>
+            <a:fillRect/>
+          </a:stretch>
+        </p:blipFill>
+        <p:spPr>
+          <a:xfrm>
+            <a:off x="835614" y="1273076"/>
+            <a:ext cx="7824865" cy="4931638"/>
+          </a:xfrm>
+        </p:spPr>
+      </p:pic>
+    </p:spTree>
+    <p:extLst>
+      <p:ext uri="{BB962C8B-B14F-4D97-AF65-F5344CB8AC3E}">
+        <p14:creationId xmlns:p14="http://schemas.microsoft.com/office/powerpoint/2010/main" val="1615288075"/>
+      </p:ext>
+    </p:extLst>
+  </p:cSld>
+  <p:clrMapOvr>
+    <a:masterClrMapping/>
+  </p:clrMapOvr>
+</p:sld>
+</file>
+
+<file path=ppt/slides/slide15.xml><?xml version="1.0" encoding="utf-8"?>
+<p:sld xmlns:a="http://schemas.openxmlformats.org/drawingml/2006/main" xmlns:r="http://schemas.openxmlformats.org/officeDocument/2006/relationships" xmlns:p="http://schemas.openxmlformats.org/presentationml/2006/main">
+  <p:cSld>
+    <p:spTree>
+      <p:nvGrpSpPr>
+        <p:cNvPr id="1" name=""/>
+        <p:cNvGrpSpPr/>
+        <p:nvPr/>
+      </p:nvGrpSpPr>
+      <p:grpSpPr>
+        <a:xfrm>
+          <a:off x="0" y="0"/>
+          <a:ext cx="0" cy="0"/>
+          <a:chOff x="0" y="0"/>
+          <a:chExt cx="0" cy="0"/>
+        </a:xfrm>
+      </p:grpSpPr>
+      <p:sp>
+        <p:nvSpPr>
+          <p:cNvPr id="2" name="Cím 1"/>
+          <p:cNvSpPr>
+            <a:spLocks noGrp="1"/>
+          </p:cNvSpPr>
+          <p:nvPr>
+            <p:ph type="title"/>
+          </p:nvPr>
+        </p:nvSpPr>
+        <p:spPr>
+          <a:xfrm>
+            <a:off x="8246225" y="1253065"/>
+            <a:ext cx="3390205" cy="1303867"/>
+          </a:xfrm>
+        </p:spPr>
+        <p:txBody>
+          <a:bodyPr>
+            <a:normAutofit fontScale="90000"/>
+          </a:bodyPr>
+          <a:lstStyle/>
+          <a:p>
+            <a:r>
+              <a:rPr lang="hu-HU" dirty="0" smtClean="0"/>
+              <a:t>Kondenzátor mérés</a:t>
+            </a:r>
+            <a:endParaRPr lang="en-GB" dirty="0"/>
+          </a:p>
+        </p:txBody>
+      </p:sp>
+      <p:pic>
+        <p:nvPicPr>
+          <p:cNvPr id="9" name="Tartalom helye 8"/>
+          <p:cNvPicPr>
+            <a:picLocks noGrp="1" noChangeAspect="1"/>
+          </p:cNvPicPr>
+          <p:nvPr>
+            <p:ph idx="1"/>
+          </p:nvPr>
+        </p:nvPicPr>
+        <p:blipFill>
+          <a:blip r:embed="rId2">
+            <a:extLst>
+              <a:ext uri="{28A0092B-C50C-407E-A947-70E740481C1C}">
+                <a14:useLocalDpi xmlns:a14="http://schemas.microsoft.com/office/drawing/2010/main" val="0"/>
+              </a:ext>
+            </a:extLst>
+          </a:blip>
+          <a:stretch>
+            <a:fillRect/>
+          </a:stretch>
+        </p:blipFill>
+        <p:spPr>
+          <a:xfrm>
+            <a:off x="1094850" y="1253065"/>
+            <a:ext cx="7151375" cy="5031885"/>
+          </a:xfrm>
+        </p:spPr>
+      </p:pic>
+    </p:spTree>
+    <p:extLst>
+      <p:ext uri="{BB962C8B-B14F-4D97-AF65-F5344CB8AC3E}">
+        <p14:creationId xmlns:p14="http://schemas.microsoft.com/office/powerpoint/2010/main" val="2858306911"/>
+      </p:ext>
+    </p:extLst>
+  </p:cSld>
+  <p:clrMapOvr>
+    <a:masterClrMapping/>
+  </p:clrMapOvr>
+</p:sld>
+</file>
+
+<file path=ppt/slides/slide16.xml><?xml version="1.0" encoding="utf-8"?>
+<p:sld xmlns:a="http://schemas.openxmlformats.org/drawingml/2006/main" xmlns:r="http://schemas.openxmlformats.org/officeDocument/2006/relationships" xmlns:p="http://schemas.openxmlformats.org/presentationml/2006/main">
+  <p:cSld>
+    <p:spTree>
+      <p:nvGrpSpPr>
+        <p:cNvPr id="1" name=""/>
+        <p:cNvGrpSpPr/>
+        <p:nvPr/>
+      </p:nvGrpSpPr>
+      <p:grpSpPr>
+        <a:xfrm>
+          <a:off x="0" y="0"/>
+          <a:ext cx="0" cy="0"/>
+          <a:chOff x="0" y="0"/>
+          <a:chExt cx="0" cy="0"/>
+        </a:xfrm>
+      </p:grpSpPr>
+      <p:sp>
+        <p:nvSpPr>
+          <p:cNvPr id="2" name="Cím 1"/>
+          <p:cNvSpPr>
+            <a:spLocks noGrp="1"/>
+          </p:cNvSpPr>
+          <p:nvPr>
+            <p:ph type="title"/>
+          </p:nvPr>
+        </p:nvSpPr>
         <p:spPr/>
         <p:txBody>
           <a:bodyPr/>
@@ -6118,6 +6572,58 @@
           </a:xfrm>
         </p:spPr>
       </p:pic>
+      <p:sp>
+        <p:nvSpPr>
+          <p:cNvPr id="3" name="Szövegdoboz 2"/>
+          <p:cNvSpPr txBox="1"/>
+          <p:nvPr/>
+        </p:nvSpPr>
+        <p:spPr>
+          <a:xfrm>
+            <a:off x="8461939" y="2418771"/>
+            <a:ext cx="2452256" cy="1200329"/>
+          </a:xfrm>
+          <a:prstGeom prst="rect">
+            <a:avLst/>
+          </a:prstGeom>
+          <a:noFill/>
+        </p:spPr>
+        <p:txBody>
+          <a:bodyPr wrap="square" rtlCol="0">
+            <a:spAutoFit/>
+          </a:bodyPr>
+          <a:lstStyle/>
+          <a:p>
+            <a:r>
+              <a:rPr lang="hu-HU" dirty="0" smtClean="0"/>
+              <a:t>Y tengely a Kollektor áramerősség, mA-ben.</a:t>
+            </a:r>
+          </a:p>
+          <a:p>
+            <a:r>
+              <a:rPr lang="hu-HU" dirty="0" smtClean="0"/>
+              <a:t>X tengely a Kollektor-</a:t>
+            </a:r>
+            <a:r>
+              <a:rPr lang="hu-HU" dirty="0" err="1" smtClean="0"/>
+              <a:t>Emitter</a:t>
+            </a:r>
+            <a:r>
+              <a:rPr lang="hu-HU" dirty="0" smtClean="0"/>
+              <a:t> feszültség V-</a:t>
+            </a:r>
+            <a:r>
+              <a:rPr lang="hu-HU" dirty="0" err="1" smtClean="0"/>
+              <a:t>ban</a:t>
+            </a:r>
+            <a:r>
+              <a:rPr lang="hu-HU" dirty="0" smtClean="0"/>
+              <a:t>.</a:t>
+            </a:r>
+            <a:endParaRPr lang="en-GB" dirty="0"/>
+          </a:p>
+        </p:txBody>
+      </p:sp>
     </p:spTree>
     <p:extLst>
       <p:ext uri="{BB962C8B-B14F-4D97-AF65-F5344CB8AC3E}">
@@ -6131,7 +6637,7 @@
 </p:sld>
 </file>
 
-<file path=ppt/slides/slide12.xml><?xml version="1.0" encoding="utf-8"?>
+<file path=ppt/slides/slide17.xml><?xml version="1.0" encoding="utf-8"?>
 <p:sld xmlns:a="http://schemas.openxmlformats.org/drawingml/2006/main" xmlns:r="http://schemas.openxmlformats.org/officeDocument/2006/relationships" xmlns:p="http://schemas.openxmlformats.org/presentationml/2006/main">
   <p:cSld>
     <p:spTree>
@@ -6471,15 +6977,23 @@
           <a:p>
             <a:r>
               <a:rPr lang="hu-HU" dirty="0" smtClean="0"/>
-              <a:t>Lábkiosztás megadása.</a:t>
-            </a:r>
-          </a:p>
-          <a:p>
+              <a:t>Lábkiosztás </a:t>
+            </a:r>
             <a:r>
               <a:rPr lang="hu-HU" dirty="0" smtClean="0"/>
-              <a:t>Teljesen automatikus mérés.</a:t>
-            </a:r>
-            <a:endParaRPr lang="en-GB" dirty="0"/>
+              <a:t>megadása</a:t>
+            </a:r>
+            <a:r>
+              <a:rPr lang="hu-HU" dirty="0" smtClean="0"/>
+              <a:t>.</a:t>
+            </a:r>
+          </a:p>
+          <a:p>
+            <a:r>
+              <a:rPr lang="hu-HU" dirty="0" smtClean="0"/>
+              <a:t>Tranzisztorok karakterisztika diagramjának megadása.</a:t>
+            </a:r>
+            <a:endParaRPr lang="hu-HU" dirty="0" smtClean="0"/>
           </a:p>
         </p:txBody>
       </p:sp>
@@ -6645,8 +7159,8 @@
               <a:t>Mérő </a:t>
             </a:r>
             <a:r>
-              <a:rPr lang="hu-HU" dirty="0" err="1" smtClean="0"/>
-              <a:t>áramlör</a:t>
+              <a:rPr lang="hu-HU" dirty="0" smtClean="0"/>
+              <a:t>áramkör</a:t>
             </a:r>
             <a:r>
               <a:rPr lang="hu-HU" dirty="0" smtClean="0"/>
@@ -6716,59 +7230,82 @@
             <p:ph type="title"/>
           </p:nvPr>
         </p:nvSpPr>
-        <p:spPr>
-          <a:xfrm>
-            <a:off x="8238744" y="1253596"/>
-            <a:ext cx="3261358" cy="1303867"/>
-          </a:xfrm>
-        </p:spPr>
-        <p:txBody>
-          <a:bodyPr>
-            <a:normAutofit fontScale="90000"/>
-          </a:bodyPr>
+        <p:spPr/>
+        <p:txBody>
+          <a:bodyPr/>
           <a:lstStyle/>
           <a:p>
             <a:r>
               <a:rPr lang="hu-HU" dirty="0" smtClean="0"/>
-              <a:t>Mérő áramkör leírása</a:t>
+              <a:t>Rendszer programozása</a:t>
             </a:r>
             <a:endParaRPr lang="en-GB" dirty="0"/>
           </a:p>
         </p:txBody>
       </p:sp>
-      <p:pic>
-        <p:nvPicPr>
-          <p:cNvPr id="4" name="Tartalom helye 3"/>
-          <p:cNvPicPr>
-            <a:picLocks noGrp="1" noChangeAspect="1"/>
-          </p:cNvPicPr>
+      <p:sp>
+        <p:nvSpPr>
+          <p:cNvPr id="3" name="Tartalom helye 2"/>
+          <p:cNvSpPr>
+            <a:spLocks noGrp="1"/>
+          </p:cNvSpPr>
           <p:nvPr>
             <p:ph idx="1"/>
           </p:nvPr>
-        </p:nvPicPr>
-        <p:blipFill>
-          <a:blip r:embed="rId2">
-            <a:extLst>
-              <a:ext uri="{28A0092B-C50C-407E-A947-70E740481C1C}">
-                <a14:useLocalDpi xmlns:a14="http://schemas.microsoft.com/office/drawing/2010/main" val="0"/>
-              </a:ext>
-            </a:extLst>
-          </a:blip>
-          <a:stretch>
-            <a:fillRect/>
-          </a:stretch>
-        </p:blipFill>
-        <p:spPr>
-          <a:xfrm>
-            <a:off x="1801368" y="1253596"/>
-            <a:ext cx="5197560" cy="4900316"/>
-          </a:xfrm>
-        </p:spPr>
-      </p:pic>
+        </p:nvSpPr>
+        <p:spPr/>
+        <p:txBody>
+          <a:bodyPr/>
+          <a:lstStyle/>
+          <a:p>
+            <a:r>
+              <a:rPr lang="hu-HU" dirty="0" smtClean="0"/>
+              <a:t>C++ alapú, egyedi kompilátorral (GCC 10.2.1 </a:t>
+            </a:r>
+            <a:r>
+              <a:rPr lang="hu-HU" dirty="0" err="1" smtClean="0"/>
+              <a:t>arm-none-eabi</a:t>
+            </a:r>
+            <a:r>
+              <a:rPr lang="hu-HU" dirty="0" smtClean="0"/>
+              <a:t>).</a:t>
+            </a:r>
+          </a:p>
+          <a:p>
+            <a:r>
+              <a:rPr lang="hu-HU" dirty="0" smtClean="0"/>
+              <a:t>A programozás Visual </a:t>
+            </a:r>
+            <a:r>
+              <a:rPr lang="hu-HU" dirty="0" err="1" smtClean="0"/>
+              <a:t>Studio</a:t>
+            </a:r>
+            <a:r>
+              <a:rPr lang="hu-HU" dirty="0" smtClean="0"/>
+              <a:t> </a:t>
+            </a:r>
+            <a:r>
+              <a:rPr lang="hu-HU" dirty="0" err="1" smtClean="0"/>
+              <a:t>Code</a:t>
+            </a:r>
+            <a:r>
+              <a:rPr lang="hu-HU" dirty="0" smtClean="0"/>
+              <a:t> alatt történt.</a:t>
+            </a:r>
+          </a:p>
+          <a:p>
+            <a:r>
+              <a:rPr lang="hu-HU" dirty="0" smtClean="0"/>
+              <a:t>A program feltöltése egyszerű és csak egy USB kábel szükséges.</a:t>
+            </a:r>
+            <a:endParaRPr lang="en-GB" dirty="0"/>
+          </a:p>
+        </p:txBody>
+      </p:sp>
     </p:spTree>
     <p:extLst>
       <p:ext uri="{BB962C8B-B14F-4D97-AF65-F5344CB8AC3E}">
-        <p14:creationId xmlns:p14="http://schemas.microsoft.com/office/powerpoint/2010/main" val="371166529"/>
+        <p14:creationId xmlns:p14="http://schemas.microsoft.com/office/powerpoint/2010/main" val="2362580827"/>
       </p:ext>
     </p:extLst>
   </p:cSld>
@@ -6805,67 +7342,59 @@
             <p:ph type="title"/>
           </p:nvPr>
         </p:nvSpPr>
-        <p:spPr/>
-        <p:txBody>
-          <a:bodyPr/>
+        <p:spPr>
+          <a:xfrm>
+            <a:off x="7398326" y="982132"/>
+            <a:ext cx="3498271" cy="1303867"/>
+          </a:xfrm>
+        </p:spPr>
+        <p:txBody>
+          <a:bodyPr>
+            <a:normAutofit fontScale="90000"/>
+          </a:bodyPr>
           <a:lstStyle/>
           <a:p>
             <a:r>
               <a:rPr lang="hu-HU" dirty="0" smtClean="0"/>
-              <a:t>Alkalmazás tesztelése</a:t>
+              <a:t>Rendszer tömb vázlata</a:t>
             </a:r>
             <a:endParaRPr lang="en-GB" dirty="0"/>
           </a:p>
         </p:txBody>
       </p:sp>
-      <p:sp>
-        <p:nvSpPr>
-          <p:cNvPr id="3" name="Tartalom helye 2"/>
-          <p:cNvSpPr>
-            <a:spLocks noGrp="1"/>
-          </p:cNvSpPr>
+      <p:pic>
+        <p:nvPicPr>
+          <p:cNvPr id="4" name="Tartalom helye 3"/>
+          <p:cNvPicPr>
+            <a:picLocks noGrp="1" noChangeAspect="1"/>
+          </p:cNvPicPr>
           <p:nvPr>
             <p:ph idx="1"/>
           </p:nvPr>
-        </p:nvSpPr>
-        <p:spPr/>
-        <p:txBody>
-          <a:bodyPr/>
-          <a:lstStyle/>
-          <a:p>
-            <a:r>
-              <a:rPr lang="hu-HU" dirty="0" smtClean="0"/>
-              <a:t>Tesztelés során a névleges adatokat egy mérőműszerrel és az általam készített teszterrel hasonlítottam össze.</a:t>
-            </a:r>
-          </a:p>
-          <a:p>
-            <a:r>
-              <a:rPr lang="hu-HU" dirty="0" smtClean="0"/>
-              <a:t>Ellenállás esetén a határ 0-32k, ez fölött a pontosság nagyban csökken.</a:t>
-            </a:r>
-          </a:p>
-          <a:p>
-            <a:r>
-              <a:rPr lang="hu-HU" dirty="0" smtClean="0"/>
-              <a:t>Kondenzátor esetén 60nF és 8uF közt mér pontos értékeket.</a:t>
-            </a:r>
-          </a:p>
-          <a:p>
-            <a:r>
-              <a:rPr lang="hu-HU" dirty="0" smtClean="0"/>
-              <a:t>Félvezetők esetén a nyitó feszültség 3V alatt kell legyen.</a:t>
-            </a:r>
-            <a:endParaRPr lang="hu-HU" dirty="0"/>
-          </a:p>
-          <a:p>
-            <a:endParaRPr lang="hu-HU" dirty="0" smtClean="0"/>
-          </a:p>
-        </p:txBody>
-      </p:sp>
+        </p:nvPicPr>
+        <p:blipFill>
+          <a:blip r:embed="rId2">
+            <a:extLst>
+              <a:ext uri="{28A0092B-C50C-407E-A947-70E740481C1C}">
+                <a14:useLocalDpi xmlns:a14="http://schemas.microsoft.com/office/drawing/2010/main" val="0"/>
+              </a:ext>
+            </a:extLst>
+          </a:blip>
+          <a:stretch>
+            <a:fillRect/>
+          </a:stretch>
+        </p:blipFill>
+        <p:spPr>
+          <a:xfrm>
+            <a:off x="777824" y="1634065"/>
+            <a:ext cx="6924647" cy="4055381"/>
+          </a:xfrm>
+        </p:spPr>
+      </p:pic>
     </p:spTree>
     <p:extLst>
       <p:ext uri="{BB962C8B-B14F-4D97-AF65-F5344CB8AC3E}">
-        <p14:creationId xmlns:p14="http://schemas.microsoft.com/office/powerpoint/2010/main" val="644224302"/>
+        <p14:creationId xmlns:p14="http://schemas.microsoft.com/office/powerpoint/2010/main" val="21428674"/>
       </p:ext>
     </p:extLst>
   </p:cSld>
@@ -6902,14 +7431,21 @@
             <p:ph type="title"/>
           </p:nvPr>
         </p:nvSpPr>
-        <p:spPr/>
-        <p:txBody>
-          <a:bodyPr/>
+        <p:spPr>
+          <a:xfrm>
+            <a:off x="8238744" y="1253596"/>
+            <a:ext cx="3261358" cy="1303867"/>
+          </a:xfrm>
+        </p:spPr>
+        <p:txBody>
+          <a:bodyPr>
+            <a:normAutofit fontScale="90000"/>
+          </a:bodyPr>
           <a:lstStyle/>
           <a:p>
             <a:r>
               <a:rPr lang="hu-HU" dirty="0" smtClean="0"/>
-              <a:t>Ellenállás tesztelés</a:t>
+              <a:t>Mérő áramkör leírása</a:t>
             </a:r>
             <a:endParaRPr lang="en-GB" dirty="0"/>
           </a:p>
@@ -6939,15 +7475,15 @@
         </p:blipFill>
         <p:spPr>
           <a:xfrm>
-            <a:off x="2999272" y="2415730"/>
-            <a:ext cx="6193456" cy="3829621"/>
+            <a:off x="1801368" y="1253596"/>
+            <a:ext cx="5197560" cy="4900316"/>
           </a:xfrm>
         </p:spPr>
       </p:pic>
     </p:spTree>
     <p:extLst>
       <p:ext uri="{BB962C8B-B14F-4D97-AF65-F5344CB8AC3E}">
-        <p14:creationId xmlns:p14="http://schemas.microsoft.com/office/powerpoint/2010/main" val="1615288075"/>
+        <p14:creationId xmlns:p14="http://schemas.microsoft.com/office/powerpoint/2010/main" val="371166529"/>
       </p:ext>
     </p:extLst>
   </p:cSld>

--- a/Doc/Lukacs_Botond_prezentacio.pptx
+++ b/Doc/Lukacs_Botond_prezentacio.pptx
@@ -16,12 +16,15 @@
     <p:sldId id="266" r:id="rId10"/>
     <p:sldId id="271" r:id="rId11"/>
     <p:sldId id="270" r:id="rId12"/>
-    <p:sldId id="260" r:id="rId13"/>
-    <p:sldId id="273" r:id="rId14"/>
-    <p:sldId id="261" r:id="rId15"/>
-    <p:sldId id="267" r:id="rId16"/>
-    <p:sldId id="262" r:id="rId17"/>
-    <p:sldId id="263" r:id="rId18"/>
+    <p:sldId id="276" r:id="rId13"/>
+    <p:sldId id="260" r:id="rId14"/>
+    <p:sldId id="273" r:id="rId15"/>
+    <p:sldId id="261" r:id="rId16"/>
+    <p:sldId id="267" r:id="rId17"/>
+    <p:sldId id="262" r:id="rId18"/>
+    <p:sldId id="274" r:id="rId19"/>
+    <p:sldId id="275" r:id="rId20"/>
+    <p:sldId id="263" r:id="rId21"/>
   </p:sldIdLst>
   <p:sldSz cx="12192000" cy="6858000"/>
   <p:notesSz cx="6858000" cy="9144000"/>
@@ -6180,7 +6183,7 @@
           <a:p>
             <a:r>
               <a:rPr lang="hu-HU" dirty="0" smtClean="0"/>
-              <a:t>Alkalmazás tesztelése</a:t>
+              <a:t>Áramerősség szabályozás</a:t>
             </a:r>
             <a:endParaRPr lang="en-GB" dirty="0"/>
           </a:p>
@@ -6203,37 +6206,28 @@
           <a:p>
             <a:r>
               <a:rPr lang="hu-HU" dirty="0" smtClean="0"/>
-              <a:t>Tesztelés során a névleges adatokat egy mérőműszerrel és az általam készített teszterrel hasonlítottam össze.</a:t>
+              <a:t>Mivel a DAC csak feszültséget tud szabályozni, így szoftveres szabályozás szükséges.</a:t>
             </a:r>
           </a:p>
           <a:p>
             <a:r>
               <a:rPr lang="hu-HU" dirty="0" smtClean="0"/>
-              <a:t>Ellenállás esetén a határ 0-32k, ez fölött a pontosság nagyban csökken.</a:t>
+              <a:t>Egy P szabályozó van erre alkalmazva.</a:t>
             </a:r>
           </a:p>
           <a:p>
             <a:r>
               <a:rPr lang="hu-HU" dirty="0" smtClean="0"/>
-              <a:t>Kondenzátor esetén 60nF és 8uF közt mér pontos értékeket.</a:t>
-            </a:r>
-          </a:p>
-          <a:p>
-            <a:r>
-              <a:rPr lang="hu-HU" dirty="0" smtClean="0"/>
-              <a:t>Félvezetők esetén a nyitó feszültség 3V alatt kell legyen.</a:t>
+              <a:t>Tranzisztorok karakterisztika diagramjainál szükséges.</a:t>
             </a:r>
             <a:endParaRPr lang="hu-HU" dirty="0"/>
-          </a:p>
-          <a:p>
-            <a:endParaRPr lang="hu-HU" dirty="0" smtClean="0"/>
           </a:p>
         </p:txBody>
       </p:sp>
     </p:spTree>
     <p:extLst>
       <p:ext uri="{BB962C8B-B14F-4D97-AF65-F5344CB8AC3E}">
-        <p14:creationId xmlns:p14="http://schemas.microsoft.com/office/powerpoint/2010/main" val="644224302"/>
+        <p14:creationId xmlns:p14="http://schemas.microsoft.com/office/powerpoint/2010/main" val="1011325018"/>
       </p:ext>
     </p:extLst>
   </p:cSld>
@@ -6277,45 +6271,60 @@
           <a:p>
             <a:r>
               <a:rPr lang="hu-HU" dirty="0" smtClean="0"/>
-              <a:t>Eredmények megjelenítése</a:t>
+              <a:t>Alkalmazás tesztelése</a:t>
             </a:r>
             <a:endParaRPr lang="en-GB" dirty="0"/>
           </a:p>
         </p:txBody>
       </p:sp>
-      <p:pic>
-        <p:nvPicPr>
-          <p:cNvPr id="4" name="Tartalom helye 3"/>
-          <p:cNvPicPr>
-            <a:picLocks noGrp="1" noChangeAspect="1"/>
-          </p:cNvPicPr>
+      <p:sp>
+        <p:nvSpPr>
+          <p:cNvPr id="3" name="Tartalom helye 2"/>
+          <p:cNvSpPr>
+            <a:spLocks noGrp="1"/>
+          </p:cNvSpPr>
           <p:nvPr>
             <p:ph idx="1"/>
           </p:nvPr>
-        </p:nvPicPr>
-        <p:blipFill>
-          <a:blip r:embed="rId2">
-            <a:extLst>
-              <a:ext uri="{28A0092B-C50C-407E-A947-70E740481C1C}">
-                <a14:useLocalDpi xmlns:a14="http://schemas.microsoft.com/office/drawing/2010/main" val="0"/>
-              </a:ext>
-            </a:extLst>
-          </a:blip>
-          <a:stretch>
-            <a:fillRect/>
-          </a:stretch>
-        </p:blipFill>
-        <p:spPr>
-          <a:xfrm>
-            <a:off x="7202895" y="2285999"/>
-            <a:ext cx="3693703" cy="3366656"/>
-          </a:xfrm>
-        </p:spPr>
-      </p:pic>
+        </p:nvSpPr>
+        <p:spPr/>
+        <p:txBody>
+          <a:bodyPr/>
+          <a:lstStyle/>
+          <a:p>
+            <a:r>
+              <a:rPr lang="hu-HU" dirty="0" smtClean="0"/>
+              <a:t>Tesztelés során a névleges adatokat egy mérőműszerrel és az általam készített teszterrel hasonlítottam össze.</a:t>
+            </a:r>
+          </a:p>
+          <a:p>
+            <a:r>
+              <a:rPr lang="hu-HU" dirty="0" smtClean="0"/>
+              <a:t>Ellenállás esetén a határ 0-32k, ez fölött a pontosság nagyban csökken.</a:t>
+            </a:r>
+          </a:p>
+          <a:p>
+            <a:r>
+              <a:rPr lang="hu-HU" dirty="0" smtClean="0"/>
+              <a:t>Kondenzátor esetén 60nF és 8uF közt mér pontos értékeket.</a:t>
+            </a:r>
+          </a:p>
+          <a:p>
+            <a:r>
+              <a:rPr lang="hu-HU" dirty="0" smtClean="0"/>
+              <a:t>Félvezetők esetén a nyitó feszültség 3V alatt kell legyen.</a:t>
+            </a:r>
+            <a:endParaRPr lang="hu-HU" dirty="0"/>
+          </a:p>
+          <a:p>
+            <a:endParaRPr lang="hu-HU" dirty="0" smtClean="0"/>
+          </a:p>
+        </p:txBody>
+      </p:sp>
     </p:spTree>
     <p:extLst>
       <p:ext uri="{BB962C8B-B14F-4D97-AF65-F5344CB8AC3E}">
-        <p14:creationId xmlns:p14="http://schemas.microsoft.com/office/powerpoint/2010/main" val="1074599727"/>
+        <p14:creationId xmlns:p14="http://schemas.microsoft.com/office/powerpoint/2010/main" val="644224302"/>
       </p:ext>
     </p:extLst>
   </p:cSld>
@@ -6352,21 +6361,14 @@
             <p:ph type="title"/>
           </p:nvPr>
         </p:nvSpPr>
-        <p:spPr>
-          <a:xfrm>
-            <a:off x="8660479" y="1273076"/>
-            <a:ext cx="2586642" cy="1303867"/>
-          </a:xfrm>
-        </p:spPr>
-        <p:txBody>
-          <a:bodyPr>
-            <a:normAutofit fontScale="90000"/>
-          </a:bodyPr>
+        <p:spPr/>
+        <p:txBody>
+          <a:bodyPr/>
           <a:lstStyle/>
           <a:p>
             <a:r>
               <a:rPr lang="hu-HU" dirty="0" smtClean="0"/>
-              <a:t>Ellenállás tesztelés</a:t>
+              <a:t>Eredmények megjelenítése</a:t>
             </a:r>
             <a:endParaRPr lang="en-GB" dirty="0"/>
           </a:p>
@@ -6396,15 +6398,45 @@
         </p:blipFill>
         <p:spPr>
           <a:xfrm>
-            <a:off x="835614" y="1273076"/>
-            <a:ext cx="7824865" cy="4931638"/>
-          </a:xfrm>
+            <a:off x="5942845" y="2414357"/>
+            <a:ext cx="4953753" cy="2082828"/>
+          </a:xfrm>
+        </p:spPr>
+      </p:pic>
+      <p:pic>
+        <p:nvPicPr>
+          <p:cNvPr id="8" name="Kép 7"/>
+          <p:cNvPicPr>
+            <a:picLocks noChangeAspect="1"/>
+          </p:cNvPicPr>
+          <p:nvPr/>
+        </p:nvPicPr>
+        <p:blipFill>
+          <a:blip r:embed="rId3" cstate="print">
+            <a:extLst>
+              <a:ext uri="{28A0092B-C50C-407E-A947-70E740481C1C}">
+                <a14:useLocalDpi xmlns:a14="http://schemas.microsoft.com/office/drawing/2010/main" val="0"/>
+              </a:ext>
+            </a:extLst>
+          </a:blip>
+          <a:stretch>
+            <a:fillRect/>
+          </a:stretch>
+        </p:blipFill>
+        <p:spPr>
+          <a:xfrm rot="16200000">
+            <a:off x="1876427" y="1833331"/>
+            <a:ext cx="3486148" cy="4648198"/>
+          </a:xfrm>
+          <a:prstGeom prst="rect">
+            <a:avLst/>
+          </a:prstGeom>
         </p:spPr>
       </p:pic>
     </p:spTree>
     <p:extLst>
       <p:ext uri="{BB962C8B-B14F-4D97-AF65-F5344CB8AC3E}">
-        <p14:creationId xmlns:p14="http://schemas.microsoft.com/office/powerpoint/2010/main" val="1615288075"/>
+        <p14:creationId xmlns:p14="http://schemas.microsoft.com/office/powerpoint/2010/main" val="1074599727"/>
       </p:ext>
     </p:extLst>
   </p:cSld>
@@ -6443,8 +6475,8 @@
         </p:nvSpPr>
         <p:spPr>
           <a:xfrm>
-            <a:off x="8246225" y="1253065"/>
-            <a:ext cx="3390205" cy="1303867"/>
+            <a:off x="8660479" y="1273076"/>
+            <a:ext cx="2586642" cy="1303867"/>
           </a:xfrm>
         </p:spPr>
         <p:txBody>
@@ -6455,7 +6487,7 @@
           <a:p>
             <a:r>
               <a:rPr lang="hu-HU" dirty="0" smtClean="0"/>
-              <a:t>Kondenzátor mérés</a:t>
+              <a:t>Ellenállás tesztelés</a:t>
             </a:r>
             <a:endParaRPr lang="en-GB" dirty="0"/>
           </a:p>
@@ -6463,7 +6495,7 @@
       </p:sp>
       <p:pic>
         <p:nvPicPr>
-          <p:cNvPr id="9" name="Tartalom helye 8"/>
+          <p:cNvPr id="7" name="Tartalom helye 6"/>
           <p:cNvPicPr>
             <a:picLocks noGrp="1" noChangeAspect="1"/>
           </p:cNvPicPr>
@@ -6485,15 +6517,15 @@
         </p:blipFill>
         <p:spPr>
           <a:xfrm>
-            <a:off x="1094850" y="1253065"/>
-            <a:ext cx="7151375" cy="5031885"/>
+            <a:off x="835614" y="1273076"/>
+            <a:ext cx="7824865" cy="4931638"/>
           </a:xfrm>
         </p:spPr>
       </p:pic>
     </p:spTree>
     <p:extLst>
       <p:ext uri="{BB962C8B-B14F-4D97-AF65-F5344CB8AC3E}">
-        <p14:creationId xmlns:p14="http://schemas.microsoft.com/office/powerpoint/2010/main" val="2858306911"/>
+        <p14:creationId xmlns:p14="http://schemas.microsoft.com/office/powerpoint/2010/main" val="1615288075"/>
       </p:ext>
     </p:extLst>
   </p:cSld>
@@ -6530,14 +6562,21 @@
             <p:ph type="title"/>
           </p:nvPr>
         </p:nvSpPr>
-        <p:spPr/>
-        <p:txBody>
-          <a:bodyPr/>
+        <p:spPr>
+          <a:xfrm>
+            <a:off x="8246225" y="1253065"/>
+            <a:ext cx="3390205" cy="1303867"/>
+          </a:xfrm>
+        </p:spPr>
+        <p:txBody>
+          <a:bodyPr>
+            <a:normAutofit fontScale="90000"/>
+          </a:bodyPr>
           <a:lstStyle/>
           <a:p>
             <a:r>
               <a:rPr lang="hu-HU" dirty="0" smtClean="0"/>
-              <a:t>Kimeneti karakterisztika</a:t>
+              <a:t>Kondenzátor mérés</a:t>
             </a:r>
             <a:endParaRPr lang="en-GB" dirty="0"/>
           </a:p>
@@ -6545,7 +6584,7 @@
       </p:sp>
       <p:pic>
         <p:nvPicPr>
-          <p:cNvPr id="4" name="Tartalom helye 3"/>
+          <p:cNvPr id="9" name="Tartalom helye 8"/>
           <p:cNvPicPr>
             <a:picLocks noGrp="1" noChangeAspect="1"/>
           </p:cNvPicPr>
@@ -6554,7 +6593,7 @@
           </p:nvPr>
         </p:nvPicPr>
         <p:blipFill>
-          <a:blip r:embed="rId2" cstate="print">
+          <a:blip r:embed="rId2">
             <a:extLst>
               <a:ext uri="{28A0092B-C50C-407E-A947-70E740481C1C}">
                 <a14:useLocalDpi xmlns:a14="http://schemas.microsoft.com/office/drawing/2010/main" val="0"/>
@@ -6566,68 +6605,16 @@
           </a:stretch>
         </p:blipFill>
         <p:spPr>
-          <a:xfrm rot="16200000">
-            <a:off x="4321546" y="1827287"/>
-            <a:ext cx="3548908" cy="4731878"/>
+          <a:xfrm>
+            <a:off x="1094850" y="1253065"/>
+            <a:ext cx="7151375" cy="5031885"/>
           </a:xfrm>
         </p:spPr>
       </p:pic>
-      <p:sp>
-        <p:nvSpPr>
-          <p:cNvPr id="3" name="Szövegdoboz 2"/>
-          <p:cNvSpPr txBox="1"/>
-          <p:nvPr/>
-        </p:nvSpPr>
-        <p:spPr>
-          <a:xfrm>
-            <a:off x="8461939" y="2418771"/>
-            <a:ext cx="2452256" cy="1200329"/>
-          </a:xfrm>
-          <a:prstGeom prst="rect">
-            <a:avLst/>
-          </a:prstGeom>
-          <a:noFill/>
-        </p:spPr>
-        <p:txBody>
-          <a:bodyPr wrap="square" rtlCol="0">
-            <a:spAutoFit/>
-          </a:bodyPr>
-          <a:lstStyle/>
-          <a:p>
-            <a:r>
-              <a:rPr lang="hu-HU" dirty="0" smtClean="0"/>
-              <a:t>Y tengely a Kollektor áramerősség, mA-ben.</a:t>
-            </a:r>
-          </a:p>
-          <a:p>
-            <a:r>
-              <a:rPr lang="hu-HU" dirty="0" smtClean="0"/>
-              <a:t>X tengely a Kollektor-</a:t>
-            </a:r>
-            <a:r>
-              <a:rPr lang="hu-HU" dirty="0" err="1" smtClean="0"/>
-              <a:t>Emitter</a:t>
-            </a:r>
-            <a:r>
-              <a:rPr lang="hu-HU" dirty="0" smtClean="0"/>
-              <a:t> feszültség V-</a:t>
-            </a:r>
-            <a:r>
-              <a:rPr lang="hu-HU" dirty="0" err="1" smtClean="0"/>
-              <a:t>ban</a:t>
-            </a:r>
-            <a:r>
-              <a:rPr lang="hu-HU" dirty="0" smtClean="0"/>
-              <a:t>.</a:t>
-            </a:r>
-            <a:endParaRPr lang="en-GB" dirty="0"/>
-          </a:p>
-        </p:txBody>
-      </p:sp>
     </p:spTree>
     <p:extLst>
       <p:ext uri="{BB962C8B-B14F-4D97-AF65-F5344CB8AC3E}">
-        <p14:creationId xmlns:p14="http://schemas.microsoft.com/office/powerpoint/2010/main" val="1416554136"/>
+        <p14:creationId xmlns:p14="http://schemas.microsoft.com/office/powerpoint/2010/main" val="2858306911"/>
       </p:ext>
     </p:extLst>
   </p:cSld>
@@ -6671,42 +6658,88 @@
           <a:p>
             <a:r>
               <a:rPr lang="hu-HU" dirty="0" smtClean="0"/>
-              <a:t>Megvalósítások</a:t>
+              <a:t>Kimeneti karakterisztika</a:t>
             </a:r>
             <a:endParaRPr lang="en-GB" dirty="0"/>
           </a:p>
         </p:txBody>
       </p:sp>
-      <p:sp>
-        <p:nvSpPr>
-          <p:cNvPr id="3" name="Tartalom helye 2"/>
-          <p:cNvSpPr>
-            <a:spLocks noGrp="1"/>
-          </p:cNvSpPr>
+      <p:pic>
+        <p:nvPicPr>
+          <p:cNvPr id="4" name="Tartalom helye 3"/>
+          <p:cNvPicPr>
+            <a:picLocks noGrp="1" noChangeAspect="1"/>
+          </p:cNvPicPr>
           <p:nvPr>
             <p:ph idx="1"/>
           </p:nvPr>
-        </p:nvSpPr>
-        <p:spPr/>
-        <p:txBody>
-          <a:bodyPr/>
+        </p:nvPicPr>
+        <p:blipFill>
+          <a:blip r:embed="rId2" cstate="print">
+            <a:extLst>
+              <a:ext uri="{28A0092B-C50C-407E-A947-70E740481C1C}">
+                <a14:useLocalDpi xmlns:a14="http://schemas.microsoft.com/office/drawing/2010/main" val="0"/>
+              </a:ext>
+            </a:extLst>
+          </a:blip>
+          <a:stretch>
+            <a:fillRect/>
+          </a:stretch>
+        </p:blipFill>
+        <p:spPr>
+          <a:xfrm rot="16200000">
+            <a:off x="4321546" y="1827287"/>
+            <a:ext cx="3548908" cy="4731878"/>
+          </a:xfrm>
+        </p:spPr>
+      </p:pic>
+      <p:sp>
+        <p:nvSpPr>
+          <p:cNvPr id="3" name="Szövegdoboz 2"/>
+          <p:cNvSpPr txBox="1"/>
+          <p:nvPr/>
+        </p:nvSpPr>
+        <p:spPr>
+          <a:xfrm>
+            <a:off x="8461939" y="2418771"/>
+            <a:ext cx="2452256" cy="1200329"/>
+          </a:xfrm>
+          <a:prstGeom prst="rect">
+            <a:avLst/>
+          </a:prstGeom>
+          <a:noFill/>
+        </p:spPr>
+        <p:txBody>
+          <a:bodyPr wrap="square" rtlCol="0">
+            <a:spAutoFit/>
+          </a:bodyPr>
           <a:lstStyle/>
           <a:p>
             <a:r>
               <a:rPr lang="hu-HU" dirty="0" smtClean="0"/>
-              <a:t>A teszter képes azonosítani az ellenállásokat, kondenzátorokat, diódákat, tranzisztorokat megközelítő pontossággal, miközben a lábkiosztását is meghatározza.</a:t>
+              <a:t>Y tengely a Kollektor áramerősség, mA-ben.</a:t>
             </a:r>
           </a:p>
           <a:p>
             <a:r>
               <a:rPr lang="hu-HU" dirty="0" smtClean="0"/>
-              <a:t>Az eredményeket megjeleníti a teszteren található kijelzőn.</a:t>
-            </a:r>
-          </a:p>
-          <a:p>
+              <a:t>X tengely a Kollektor-</a:t>
+            </a:r>
+            <a:r>
+              <a:rPr lang="hu-HU" dirty="0" err="1" smtClean="0"/>
+              <a:t>Emitter</a:t>
+            </a:r>
             <a:r>
               <a:rPr lang="hu-HU" dirty="0" smtClean="0"/>
-              <a:t>Egyszerűen használható és automatikus mérés.</a:t>
+              <a:t> feszültség V-</a:t>
+            </a:r>
+            <a:r>
+              <a:rPr lang="hu-HU" dirty="0" err="1" smtClean="0"/>
+              <a:t>ban</a:t>
+            </a:r>
+            <a:r>
+              <a:rPr lang="hu-HU" dirty="0" smtClean="0"/>
+              <a:t>.</a:t>
             </a:r>
             <a:endParaRPr lang="en-GB" dirty="0"/>
           </a:p>
@@ -6715,7 +6748,239 @@
     </p:spTree>
     <p:extLst>
       <p:ext uri="{BB962C8B-B14F-4D97-AF65-F5344CB8AC3E}">
-        <p14:creationId xmlns:p14="http://schemas.microsoft.com/office/powerpoint/2010/main" val="1566460766"/>
+        <p14:creationId xmlns:p14="http://schemas.microsoft.com/office/powerpoint/2010/main" val="1416554136"/>
+      </p:ext>
+    </p:extLst>
+  </p:cSld>
+  <p:clrMapOvr>
+    <a:masterClrMapping/>
+  </p:clrMapOvr>
+</p:sld>
+</file>
+
+<file path=ppt/slides/slide18.xml><?xml version="1.0" encoding="utf-8"?>
+<p:sld xmlns:a="http://schemas.openxmlformats.org/drawingml/2006/main" xmlns:r="http://schemas.openxmlformats.org/officeDocument/2006/relationships" xmlns:p="http://schemas.openxmlformats.org/presentationml/2006/main">
+  <p:cSld>
+    <p:spTree>
+      <p:nvGrpSpPr>
+        <p:cNvPr id="1" name=""/>
+        <p:cNvGrpSpPr/>
+        <p:nvPr/>
+      </p:nvGrpSpPr>
+      <p:grpSpPr>
+        <a:xfrm>
+          <a:off x="0" y="0"/>
+          <a:ext cx="0" cy="0"/>
+          <a:chOff x="0" y="0"/>
+          <a:chExt cx="0" cy="0"/>
+        </a:xfrm>
+      </p:grpSpPr>
+      <p:sp>
+        <p:nvSpPr>
+          <p:cNvPr id="2" name="Cím 1"/>
+          <p:cNvSpPr>
+            <a:spLocks noGrp="1"/>
+          </p:cNvSpPr>
+          <p:nvPr>
+            <p:ph type="title"/>
+          </p:nvPr>
+        </p:nvSpPr>
+        <p:spPr/>
+        <p:txBody>
+          <a:bodyPr/>
+          <a:lstStyle/>
+          <a:p>
+            <a:r>
+              <a:rPr lang="hu-HU" dirty="0" smtClean="0"/>
+              <a:t>Bemeneti karakterisztika</a:t>
+            </a:r>
+            <a:endParaRPr lang="en-GB" dirty="0"/>
+          </a:p>
+        </p:txBody>
+      </p:sp>
+      <p:pic>
+        <p:nvPicPr>
+          <p:cNvPr id="4" name="Tartalom helye 3"/>
+          <p:cNvPicPr>
+            <a:picLocks noGrp="1" noChangeAspect="1"/>
+          </p:cNvPicPr>
+          <p:nvPr>
+            <p:ph idx="1"/>
+          </p:nvPr>
+        </p:nvPicPr>
+        <p:blipFill>
+          <a:blip r:embed="rId2" cstate="print">
+            <a:extLst>
+              <a:ext uri="{28A0092B-C50C-407E-A947-70E740481C1C}">
+                <a14:useLocalDpi xmlns:a14="http://schemas.microsoft.com/office/drawing/2010/main" val="0"/>
+              </a:ext>
+            </a:extLst>
+          </a:blip>
+          <a:stretch>
+            <a:fillRect/>
+          </a:stretch>
+        </p:blipFill>
+        <p:spPr>
+          <a:xfrm rot="16200000">
+            <a:off x="4337133" y="1837270"/>
+            <a:ext cx="3517734" cy="4690312"/>
+          </a:xfrm>
+        </p:spPr>
+      </p:pic>
+      <p:sp>
+        <p:nvSpPr>
+          <p:cNvPr id="6" name="Szövegdoboz 5"/>
+          <p:cNvSpPr txBox="1"/>
+          <p:nvPr/>
+        </p:nvSpPr>
+        <p:spPr>
+          <a:xfrm>
+            <a:off x="8803178" y="2685011"/>
+            <a:ext cx="2560320" cy="1477328"/>
+          </a:xfrm>
+          <a:prstGeom prst="rect">
+            <a:avLst/>
+          </a:prstGeom>
+          <a:noFill/>
+        </p:spPr>
+        <p:txBody>
+          <a:bodyPr wrap="square" rtlCol="0">
+            <a:spAutoFit/>
+          </a:bodyPr>
+          <a:lstStyle/>
+          <a:p>
+            <a:r>
+              <a:rPr lang="hu-HU" dirty="0" smtClean="0"/>
+              <a:t>Ebben az esetben a kollektor és </a:t>
+            </a:r>
+            <a:r>
+              <a:rPr lang="hu-HU" dirty="0" err="1" smtClean="0"/>
+              <a:t>emitter</a:t>
+            </a:r>
+            <a:r>
+              <a:rPr lang="hu-HU" dirty="0" smtClean="0"/>
+              <a:t> földre van kapcsolva és a bázison a feszültség növekedésével méri a bázis áramot.</a:t>
+            </a:r>
+            <a:endParaRPr lang="en-GB" dirty="0"/>
+          </a:p>
+        </p:txBody>
+      </p:sp>
+    </p:spTree>
+    <p:extLst>
+      <p:ext uri="{BB962C8B-B14F-4D97-AF65-F5344CB8AC3E}">
+        <p14:creationId xmlns:p14="http://schemas.microsoft.com/office/powerpoint/2010/main" val="3761767557"/>
+      </p:ext>
+    </p:extLst>
+  </p:cSld>
+  <p:clrMapOvr>
+    <a:masterClrMapping/>
+  </p:clrMapOvr>
+</p:sld>
+</file>
+
+<file path=ppt/slides/slide19.xml><?xml version="1.0" encoding="utf-8"?>
+<p:sld xmlns:a="http://schemas.openxmlformats.org/drawingml/2006/main" xmlns:r="http://schemas.openxmlformats.org/officeDocument/2006/relationships" xmlns:p="http://schemas.openxmlformats.org/presentationml/2006/main">
+  <p:cSld>
+    <p:spTree>
+      <p:nvGrpSpPr>
+        <p:cNvPr id="1" name=""/>
+        <p:cNvGrpSpPr/>
+        <p:nvPr/>
+      </p:nvGrpSpPr>
+      <p:grpSpPr>
+        <a:xfrm>
+          <a:off x="0" y="0"/>
+          <a:ext cx="0" cy="0"/>
+          <a:chOff x="0" y="0"/>
+          <a:chExt cx="0" cy="0"/>
+        </a:xfrm>
+      </p:grpSpPr>
+      <p:sp>
+        <p:nvSpPr>
+          <p:cNvPr id="2" name="Cím 1"/>
+          <p:cNvSpPr>
+            <a:spLocks noGrp="1"/>
+          </p:cNvSpPr>
+          <p:nvPr>
+            <p:ph type="title"/>
+          </p:nvPr>
+        </p:nvSpPr>
+        <p:spPr/>
+        <p:txBody>
+          <a:bodyPr/>
+          <a:lstStyle/>
+          <a:p>
+            <a:r>
+              <a:rPr lang="hu-HU" dirty="0" smtClean="0"/>
+              <a:t>Átviteli karakterisztika</a:t>
+            </a:r>
+            <a:endParaRPr lang="en-GB" dirty="0"/>
+          </a:p>
+        </p:txBody>
+      </p:sp>
+      <p:pic>
+        <p:nvPicPr>
+          <p:cNvPr id="4" name="Tartalom helye 3"/>
+          <p:cNvPicPr>
+            <a:picLocks noGrp="1" noChangeAspect="1"/>
+          </p:cNvPicPr>
+          <p:nvPr>
+            <p:ph idx="1"/>
+          </p:nvPr>
+        </p:nvPicPr>
+        <p:blipFill>
+          <a:blip r:embed="rId2" cstate="print">
+            <a:extLst>
+              <a:ext uri="{28A0092B-C50C-407E-A947-70E740481C1C}">
+                <a14:useLocalDpi xmlns:a14="http://schemas.microsoft.com/office/drawing/2010/main" val="0"/>
+              </a:ext>
+            </a:extLst>
+          </a:blip>
+          <a:stretch>
+            <a:fillRect/>
+          </a:stretch>
+        </p:blipFill>
+        <p:spPr>
+          <a:xfrm rot="16200000">
+            <a:off x="4294414" y="1814716"/>
+            <a:ext cx="3603170" cy="4804227"/>
+          </a:xfrm>
+        </p:spPr>
+      </p:pic>
+      <p:sp>
+        <p:nvSpPr>
+          <p:cNvPr id="5" name="Szövegdoboz 4"/>
+          <p:cNvSpPr txBox="1"/>
+          <p:nvPr/>
+        </p:nvSpPr>
+        <p:spPr>
+          <a:xfrm>
+            <a:off x="8695113" y="2610196"/>
+            <a:ext cx="2709949" cy="1200329"/>
+          </a:xfrm>
+          <a:prstGeom prst="rect">
+            <a:avLst/>
+          </a:prstGeom>
+          <a:noFill/>
+        </p:spPr>
+        <p:txBody>
+          <a:bodyPr wrap="square" rtlCol="0">
+            <a:spAutoFit/>
+          </a:bodyPr>
+          <a:lstStyle/>
+          <a:p>
+            <a:r>
+              <a:rPr lang="hu-HU" dirty="0" smtClean="0"/>
+              <a:t>Ebben az esetben megméri a maximális bázis áramot, majd ezt növelve méri a kollektor feszültséget.</a:t>
+            </a:r>
+            <a:endParaRPr lang="en-GB" dirty="0"/>
+          </a:p>
+        </p:txBody>
+      </p:sp>
+    </p:spTree>
+    <p:extLst>
+      <p:ext uri="{BB962C8B-B14F-4D97-AF65-F5344CB8AC3E}">
+        <p14:creationId xmlns:p14="http://schemas.microsoft.com/office/powerpoint/2010/main" val="3852112793"/>
       </p:ext>
     </p:extLst>
   </p:cSld>
@@ -6804,6 +7069,94 @@
     <p:extLst>
       <p:ext uri="{BB962C8B-B14F-4D97-AF65-F5344CB8AC3E}">
         <p14:creationId xmlns:p14="http://schemas.microsoft.com/office/powerpoint/2010/main" val="2703988612"/>
+      </p:ext>
+    </p:extLst>
+  </p:cSld>
+  <p:clrMapOvr>
+    <a:masterClrMapping/>
+  </p:clrMapOvr>
+</p:sld>
+</file>
+
+<file path=ppt/slides/slide20.xml><?xml version="1.0" encoding="utf-8"?>
+<p:sld xmlns:a="http://schemas.openxmlformats.org/drawingml/2006/main" xmlns:r="http://schemas.openxmlformats.org/officeDocument/2006/relationships" xmlns:p="http://schemas.openxmlformats.org/presentationml/2006/main">
+  <p:cSld>
+    <p:spTree>
+      <p:nvGrpSpPr>
+        <p:cNvPr id="1" name=""/>
+        <p:cNvGrpSpPr/>
+        <p:nvPr/>
+      </p:nvGrpSpPr>
+      <p:grpSpPr>
+        <a:xfrm>
+          <a:off x="0" y="0"/>
+          <a:ext cx="0" cy="0"/>
+          <a:chOff x="0" y="0"/>
+          <a:chExt cx="0" cy="0"/>
+        </a:xfrm>
+      </p:grpSpPr>
+      <p:sp>
+        <p:nvSpPr>
+          <p:cNvPr id="2" name="Cím 1"/>
+          <p:cNvSpPr>
+            <a:spLocks noGrp="1"/>
+          </p:cNvSpPr>
+          <p:nvPr>
+            <p:ph type="title"/>
+          </p:nvPr>
+        </p:nvSpPr>
+        <p:spPr/>
+        <p:txBody>
+          <a:bodyPr/>
+          <a:lstStyle/>
+          <a:p>
+            <a:r>
+              <a:rPr lang="hu-HU" dirty="0" smtClean="0"/>
+              <a:t>Megvalósítások</a:t>
+            </a:r>
+            <a:endParaRPr lang="en-GB" dirty="0"/>
+          </a:p>
+        </p:txBody>
+      </p:sp>
+      <p:sp>
+        <p:nvSpPr>
+          <p:cNvPr id="3" name="Tartalom helye 2"/>
+          <p:cNvSpPr>
+            <a:spLocks noGrp="1"/>
+          </p:cNvSpPr>
+          <p:nvPr>
+            <p:ph idx="1"/>
+          </p:nvPr>
+        </p:nvSpPr>
+        <p:spPr/>
+        <p:txBody>
+          <a:bodyPr/>
+          <a:lstStyle/>
+          <a:p>
+            <a:r>
+              <a:rPr lang="hu-HU" dirty="0" smtClean="0"/>
+              <a:t>A teszter képes azonosítani az ellenállásokat, kondenzátorokat, diódákat, tranzisztorokat megközelítő pontossággal, miközben a lábkiosztását is meghatározza.</a:t>
+            </a:r>
+          </a:p>
+          <a:p>
+            <a:r>
+              <a:rPr lang="hu-HU" dirty="0" smtClean="0"/>
+              <a:t>Az eredményeket megjeleníti a teszteren található kijelzőn.</a:t>
+            </a:r>
+          </a:p>
+          <a:p>
+            <a:r>
+              <a:rPr lang="hu-HU" dirty="0" smtClean="0"/>
+              <a:t>Egyszerűen használható és automatikus mérés.</a:t>
+            </a:r>
+            <a:endParaRPr lang="en-GB" dirty="0"/>
+          </a:p>
+        </p:txBody>
+      </p:sp>
+    </p:spTree>
+    <p:extLst>
+      <p:ext uri="{BB962C8B-B14F-4D97-AF65-F5344CB8AC3E}">
+        <p14:creationId xmlns:p14="http://schemas.microsoft.com/office/powerpoint/2010/main" val="1566460766"/>
       </p:ext>
     </p:extLst>
   </p:cSld>

--- a/Doc/Lukacs_Botond_prezentacio.pptx
+++ b/Doc/Lukacs_Botond_prezentacio.pptx
@@ -9,9 +9,9 @@
     <p:sldId id="257" r:id="rId3"/>
     <p:sldId id="258" r:id="rId4"/>
     <p:sldId id="264" r:id="rId5"/>
-    <p:sldId id="265" r:id="rId6"/>
-    <p:sldId id="268" r:id="rId7"/>
-    <p:sldId id="272" r:id="rId8"/>
+    <p:sldId id="272" r:id="rId6"/>
+    <p:sldId id="265" r:id="rId7"/>
+    <p:sldId id="268" r:id="rId8"/>
     <p:sldId id="269" r:id="rId9"/>
     <p:sldId id="266" r:id="rId10"/>
     <p:sldId id="271" r:id="rId11"/>
@@ -462,7 +462,7 @@
           <a:p>
             <a:fld id="{A42090FE-FF99-45F9-A5B0-770EC161A953}" type="datetimeFigureOut">
               <a:rPr lang="en-GB" smtClean="0"/>
-              <a:t>27/06/2022</a:t>
+              <a:t>07/07/2022</a:t>
             </a:fld>
             <a:endParaRPr lang="en-GB"/>
           </a:p>
@@ -786,7 +786,7 @@
           <a:p>
             <a:fld id="{A42090FE-FF99-45F9-A5B0-770EC161A953}" type="datetimeFigureOut">
               <a:rPr lang="en-GB" smtClean="0"/>
-              <a:t>27/06/2022</a:t>
+              <a:t>07/07/2022</a:t>
             </a:fld>
             <a:endParaRPr lang="en-GB"/>
           </a:p>
@@ -1034,7 +1034,7 @@
           <a:p>
             <a:fld id="{A42090FE-FF99-45F9-A5B0-770EC161A953}" type="datetimeFigureOut">
               <a:rPr lang="en-GB" smtClean="0"/>
-              <a:t>27/06/2022</a:t>
+              <a:t>07/07/2022</a:t>
             </a:fld>
             <a:endParaRPr lang="en-GB"/>
           </a:p>
@@ -1373,7 +1373,7 @@
           <a:p>
             <a:fld id="{A42090FE-FF99-45F9-A5B0-770EC161A953}" type="datetimeFigureOut">
               <a:rPr lang="en-GB" smtClean="0"/>
-              <a:t>27/06/2022</a:t>
+              <a:t>07/07/2022</a:t>
             </a:fld>
             <a:endParaRPr lang="en-GB"/>
           </a:p>
@@ -1720,7 +1720,7 @@
           <a:p>
             <a:fld id="{A42090FE-FF99-45F9-A5B0-770EC161A953}" type="datetimeFigureOut">
               <a:rPr lang="en-GB" smtClean="0"/>
-              <a:t>27/06/2022</a:t>
+              <a:t>07/07/2022</a:t>
             </a:fld>
             <a:endParaRPr lang="en-GB"/>
           </a:p>
@@ -2094,7 +2094,7 @@
           <a:p>
             <a:fld id="{A42090FE-FF99-45F9-A5B0-770EC161A953}" type="datetimeFigureOut">
               <a:rPr lang="en-GB" smtClean="0"/>
-              <a:t>27/06/2022</a:t>
+              <a:t>07/07/2022</a:t>
             </a:fld>
             <a:endParaRPr lang="en-GB"/>
           </a:p>
@@ -2564,7 +2564,7 @@
           <a:p>
             <a:fld id="{A42090FE-FF99-45F9-A5B0-770EC161A953}" type="datetimeFigureOut">
               <a:rPr lang="en-GB" smtClean="0"/>
-              <a:t>27/06/2022</a:t>
+              <a:t>07/07/2022</a:t>
             </a:fld>
             <a:endParaRPr lang="en-GB"/>
           </a:p>
@@ -2769,7 +2769,7 @@
           <a:p>
             <a:fld id="{A42090FE-FF99-45F9-A5B0-770EC161A953}" type="datetimeFigureOut">
               <a:rPr lang="en-GB" smtClean="0"/>
-              <a:t>27/06/2022</a:t>
+              <a:t>07/07/2022</a:t>
             </a:fld>
             <a:endParaRPr lang="en-GB"/>
           </a:p>
@@ -2980,7 +2980,7 @@
           <a:p>
             <a:fld id="{A42090FE-FF99-45F9-A5B0-770EC161A953}" type="datetimeFigureOut">
               <a:rPr lang="en-GB" smtClean="0"/>
-              <a:t>27/06/2022</a:t>
+              <a:t>07/07/2022</a:t>
             </a:fld>
             <a:endParaRPr lang="en-GB"/>
           </a:p>
@@ -3212,7 +3212,7 @@
           <a:p>
             <a:fld id="{A42090FE-FF99-45F9-A5B0-770EC161A953}" type="datetimeFigureOut">
               <a:rPr lang="en-GB" smtClean="0"/>
-              <a:t>27/06/2022</a:t>
+              <a:t>07/07/2022</a:t>
             </a:fld>
             <a:endParaRPr lang="en-GB"/>
           </a:p>
@@ -3460,7 +3460,7 @@
           <a:p>
             <a:fld id="{A42090FE-FF99-45F9-A5B0-770EC161A953}" type="datetimeFigureOut">
               <a:rPr lang="en-GB" smtClean="0"/>
-              <a:t>27/06/2022</a:t>
+              <a:t>07/07/2022</a:t>
             </a:fld>
             <a:endParaRPr lang="en-GB"/>
           </a:p>
@@ -3758,7 +3758,7 @@
           <a:p>
             <a:fld id="{A42090FE-FF99-45F9-A5B0-770EC161A953}" type="datetimeFigureOut">
               <a:rPr lang="en-GB" smtClean="0"/>
-              <a:t>27/06/2022</a:t>
+              <a:t>07/07/2022</a:t>
             </a:fld>
             <a:endParaRPr lang="en-GB"/>
           </a:p>
@@ -4152,7 +4152,7 @@
           <a:p>
             <a:fld id="{A42090FE-FF99-45F9-A5B0-770EC161A953}" type="datetimeFigureOut">
               <a:rPr lang="en-GB" smtClean="0"/>
-              <a:t>27/06/2022</a:t>
+              <a:t>07/07/2022</a:t>
             </a:fld>
             <a:endParaRPr lang="en-GB"/>
           </a:p>
@@ -4301,7 +4301,7 @@
           <a:p>
             <a:fld id="{A42090FE-FF99-45F9-A5B0-770EC161A953}" type="datetimeFigureOut">
               <a:rPr lang="en-GB" smtClean="0"/>
-              <a:t>27/06/2022</a:t>
+              <a:t>07/07/2022</a:t>
             </a:fld>
             <a:endParaRPr lang="en-GB"/>
           </a:p>
@@ -4427,7 +4427,7 @@
           <a:p>
             <a:fld id="{A42090FE-FF99-45F9-A5B0-770EC161A953}" type="datetimeFigureOut">
               <a:rPr lang="en-GB" smtClean="0"/>
-              <a:t>27/06/2022</a:t>
+              <a:t>07/07/2022</a:t>
             </a:fld>
             <a:endParaRPr lang="en-GB"/>
           </a:p>
@@ -4682,7 +4682,7 @@
           <a:p>
             <a:fld id="{A42090FE-FF99-45F9-A5B0-770EC161A953}" type="datetimeFigureOut">
               <a:rPr lang="en-GB" smtClean="0"/>
-              <a:t>27/06/2022</a:t>
+              <a:t>07/07/2022</a:t>
             </a:fld>
             <a:endParaRPr lang="en-GB"/>
           </a:p>
@@ -4997,7 +4997,7 @@
           <a:p>
             <a:fld id="{A42090FE-FF99-45F9-A5B0-770EC161A953}" type="datetimeFigureOut">
               <a:rPr lang="en-GB" smtClean="0"/>
-              <a:t>27/06/2022</a:t>
+              <a:t>07/07/2022</a:t>
             </a:fld>
             <a:endParaRPr lang="en-GB"/>
           </a:p>
@@ -5348,7 +5348,7 @@
           <a:p>
             <a:fld id="{A42090FE-FF99-45F9-A5B0-770EC161A953}" type="datetimeFigureOut">
               <a:rPr lang="en-GB" smtClean="0"/>
-              <a:t>27/06/2022</a:t>
+              <a:t>07/07/2022</a:t>
             </a:fld>
             <a:endParaRPr lang="en-GB"/>
           </a:p>
@@ -7047,8 +7047,19 @@
           <a:p>
             <a:r>
               <a:rPr lang="hu-HU" dirty="0" smtClean="0"/>
-              <a:t>Ellenállások, kondenzátorok, diódák és tranzisztorok lábkiosztása és értékeinek meghatározása mikrovezérlő segítségével.</a:t>
-            </a:r>
+              <a:t>Ellenállások, kondenzátorok, diódák és tranzisztorok lábkiosztása és értékeinek meghatározása mikrovezérlő segítségével</a:t>
+            </a:r>
+            <a:r>
+              <a:rPr lang="hu-HU" dirty="0" smtClean="0"/>
+              <a:t>.</a:t>
+            </a:r>
+          </a:p>
+          <a:p>
+            <a:r>
+              <a:rPr lang="hu-HU" dirty="0" smtClean="0"/>
+              <a:t>Tranzisztor karakterisztika diagramm kirajzolása.</a:t>
+            </a:r>
+            <a:endParaRPr lang="hu-HU" dirty="0" smtClean="0"/>
           </a:p>
           <a:p>
             <a:r>
@@ -7310,42 +7321,40 @@
           <a:p>
             <a:r>
               <a:rPr lang="hu-HU" dirty="0" smtClean="0"/>
-              <a:t>A rendszer meg kell </a:t>
-            </a:r>
-            <a:r>
-              <a:rPr lang="hu-HU" dirty="0"/>
-              <a:t>tudja különböztetni </a:t>
-            </a:r>
+              <a:t>Mérés elvégzése néhány másodperc alatt</a:t>
+            </a:r>
+            <a:endParaRPr lang="hu-HU" dirty="0" smtClean="0"/>
+          </a:p>
+          <a:p>
             <a:r>
               <a:rPr lang="hu-HU" dirty="0" smtClean="0"/>
-              <a:t>az ellenállásokat, kondenzátorokat, diódákat és NPN PNP tranzisztorokat.</a:t>
-            </a:r>
-          </a:p>
-          <a:p>
+              <a:t>Eredmény kijelzése a kijelzőn és </a:t>
+            </a:r>
+            <a:r>
+              <a:rPr lang="hu-HU" dirty="0" err="1" smtClean="0"/>
+              <a:t>Serial</a:t>
+            </a:r>
             <a:r>
               <a:rPr lang="hu-HU" dirty="0" smtClean="0"/>
-              <a:t>Értékeik megadása.</a:t>
-            </a:r>
-          </a:p>
-          <a:p>
-            <a:r>
-              <a:rPr lang="hu-HU" dirty="0" smtClean="0"/>
-              <a:t>Lábkiosztás </a:t>
-            </a:r>
-            <a:r>
-              <a:rPr lang="hu-HU" dirty="0" smtClean="0"/>
-              <a:t>megadása</a:t>
+              <a:t> </a:t>
+            </a:r>
+            <a:r>
+              <a:rPr lang="hu-HU" dirty="0" err="1" smtClean="0"/>
+              <a:t>porton</a:t>
             </a:r>
             <a:r>
               <a:rPr lang="hu-HU" dirty="0" smtClean="0"/>
               <a:t>.</a:t>
             </a:r>
+            <a:endParaRPr lang="hu-HU" dirty="0" smtClean="0"/>
           </a:p>
           <a:p>
             <a:r>
               <a:rPr lang="hu-HU" dirty="0" smtClean="0"/>
-              <a:t>Tranzisztorok karakterisztika diagramjának megadása.</a:t>
-            </a:r>
+              <a:t>Önálló működés</a:t>
+            </a:r>
+          </a:p>
+          <a:p>
             <a:endParaRPr lang="hu-HU" dirty="0" smtClean="0"/>
           </a:p>
         </p:txBody>
@@ -7390,59 +7399,82 @@
             <p:ph type="title"/>
           </p:nvPr>
         </p:nvSpPr>
-        <p:spPr>
-          <a:xfrm>
-            <a:off x="8202168" y="982132"/>
-            <a:ext cx="2694430" cy="1651340"/>
-          </a:xfrm>
-        </p:spPr>
-        <p:txBody>
-          <a:bodyPr>
-            <a:normAutofit/>
-          </a:bodyPr>
+        <p:spPr/>
+        <p:txBody>
+          <a:bodyPr/>
           <a:lstStyle/>
           <a:p>
             <a:r>
               <a:rPr lang="hu-HU" dirty="0" smtClean="0"/>
-              <a:t>Azonosítás lépései</a:t>
+              <a:t>Rendszer programozása</a:t>
             </a:r>
             <a:endParaRPr lang="en-GB" dirty="0"/>
           </a:p>
         </p:txBody>
       </p:sp>
-      <p:pic>
-        <p:nvPicPr>
-          <p:cNvPr id="4" name="Tartalom helye 3"/>
-          <p:cNvPicPr>
-            <a:picLocks noGrp="1" noChangeAspect="1"/>
-          </p:cNvPicPr>
+      <p:sp>
+        <p:nvSpPr>
+          <p:cNvPr id="3" name="Tartalom helye 2"/>
+          <p:cNvSpPr>
+            <a:spLocks noGrp="1"/>
+          </p:cNvSpPr>
           <p:nvPr>
             <p:ph idx="1"/>
           </p:nvPr>
-        </p:nvPicPr>
-        <p:blipFill>
-          <a:blip r:embed="rId2" cstate="print">
-            <a:extLst>
-              <a:ext uri="{28A0092B-C50C-407E-A947-70E740481C1C}">
-                <a14:useLocalDpi xmlns:a14="http://schemas.microsoft.com/office/drawing/2010/main" val="0"/>
-              </a:ext>
-            </a:extLst>
-          </a:blip>
-          <a:stretch>
-            <a:fillRect/>
-          </a:stretch>
-        </p:blipFill>
-        <p:spPr>
-          <a:xfrm>
-            <a:off x="1380744" y="982132"/>
-            <a:ext cx="5422392" cy="5226875"/>
-          </a:xfrm>
-        </p:spPr>
-      </p:pic>
+        </p:nvSpPr>
+        <p:spPr/>
+        <p:txBody>
+          <a:bodyPr/>
+          <a:lstStyle/>
+          <a:p>
+            <a:r>
+              <a:rPr lang="hu-HU" dirty="0" smtClean="0"/>
+              <a:t>C++ alapú, egyedi kompilátorral (GCC 10.2.1 </a:t>
+            </a:r>
+            <a:r>
+              <a:rPr lang="hu-HU" dirty="0" err="1" smtClean="0"/>
+              <a:t>arm-none-eabi</a:t>
+            </a:r>
+            <a:r>
+              <a:rPr lang="hu-HU" dirty="0" smtClean="0"/>
+              <a:t>).</a:t>
+            </a:r>
+          </a:p>
+          <a:p>
+            <a:r>
+              <a:rPr lang="hu-HU" dirty="0" smtClean="0"/>
+              <a:t>A programozás Visual </a:t>
+            </a:r>
+            <a:r>
+              <a:rPr lang="hu-HU" dirty="0" err="1" smtClean="0"/>
+              <a:t>Studio</a:t>
+            </a:r>
+            <a:r>
+              <a:rPr lang="hu-HU" dirty="0" smtClean="0"/>
+              <a:t> </a:t>
+            </a:r>
+            <a:r>
+              <a:rPr lang="hu-HU" dirty="0" err="1" smtClean="0"/>
+              <a:t>Code</a:t>
+            </a:r>
+            <a:r>
+              <a:rPr lang="hu-HU" dirty="0" smtClean="0"/>
+              <a:t> alatt történt.</a:t>
+            </a:r>
+          </a:p>
+          <a:p>
+            <a:r>
+              <a:rPr lang="hu-HU" dirty="0" smtClean="0"/>
+              <a:t>A program feltöltése egyszerű és csak egy USB kábel szükséges.</a:t>
+            </a:r>
+            <a:endParaRPr lang="en-GB" dirty="0"/>
+          </a:p>
+        </p:txBody>
+      </p:sp>
     </p:spTree>
     <p:extLst>
       <p:ext uri="{BB962C8B-B14F-4D97-AF65-F5344CB8AC3E}">
-        <p14:creationId xmlns:p14="http://schemas.microsoft.com/office/powerpoint/2010/main" val="2850181108"/>
+        <p14:creationId xmlns:p14="http://schemas.microsoft.com/office/powerpoint/2010/main" val="2362580827"/>
       </p:ext>
     </p:extLst>
   </p:cSld>
@@ -7479,74 +7511,59 @@
             <p:ph type="title"/>
           </p:nvPr>
         </p:nvSpPr>
-        <p:spPr/>
-        <p:txBody>
-          <a:bodyPr/>
+        <p:spPr>
+          <a:xfrm>
+            <a:off x="8202168" y="982132"/>
+            <a:ext cx="2694430" cy="1651340"/>
+          </a:xfrm>
+        </p:spPr>
+        <p:txBody>
+          <a:bodyPr>
+            <a:normAutofit/>
+          </a:bodyPr>
           <a:lstStyle/>
           <a:p>
             <a:r>
               <a:rPr lang="hu-HU" dirty="0" smtClean="0"/>
-              <a:t>Rendszer leírása </a:t>
-            </a:r>
-            <a:endParaRPr lang="hu-HU" dirty="0"/>
-          </a:p>
-        </p:txBody>
-      </p:sp>
-      <p:sp>
-        <p:nvSpPr>
-          <p:cNvPr id="3" name="Tartalom helye 2"/>
-          <p:cNvSpPr>
-            <a:spLocks noGrp="1"/>
-          </p:cNvSpPr>
+              <a:t>Azonosítás lépései</a:t>
+            </a:r>
+            <a:endParaRPr lang="en-GB" dirty="0"/>
+          </a:p>
+        </p:txBody>
+      </p:sp>
+      <p:pic>
+        <p:nvPicPr>
+          <p:cNvPr id="4" name="Tartalom helye 3"/>
+          <p:cNvPicPr>
+            <a:picLocks noGrp="1" noChangeAspect="1"/>
+          </p:cNvPicPr>
           <p:nvPr>
             <p:ph idx="1"/>
           </p:nvPr>
-        </p:nvSpPr>
-        <p:spPr/>
-        <p:txBody>
-          <a:bodyPr/>
-          <a:lstStyle/>
-          <a:p>
-            <a:r>
-              <a:rPr lang="hu-HU" dirty="0" smtClean="0"/>
-              <a:t>Mérő </a:t>
-            </a:r>
-            <a:r>
-              <a:rPr lang="hu-HU" dirty="0" smtClean="0"/>
-              <a:t>áramkör</a:t>
-            </a:r>
-            <a:r>
-              <a:rPr lang="hu-HU" dirty="0" smtClean="0"/>
-              <a:t>: DAC, analóg kapcsolók, ADC</a:t>
-            </a:r>
-          </a:p>
-          <a:p>
-            <a:r>
-              <a:rPr lang="hu-HU" dirty="0" smtClean="0"/>
-              <a:t>Eredmények megjelenítése: kijelző, </a:t>
-            </a:r>
-            <a:r>
-              <a:rPr lang="hu-HU" dirty="0" err="1" smtClean="0"/>
-              <a:t>Serial</a:t>
-            </a:r>
-            <a:r>
-              <a:rPr lang="hu-HU" dirty="0" smtClean="0"/>
-              <a:t> port</a:t>
-            </a:r>
-          </a:p>
-          <a:p>
-            <a:r>
-              <a:rPr lang="hu-HU" dirty="0" smtClean="0"/>
-              <a:t>Számítások elvégzése: mikrovezérlő</a:t>
-            </a:r>
-            <a:endParaRPr lang="en-GB" dirty="0"/>
-          </a:p>
-        </p:txBody>
-      </p:sp>
+        </p:nvPicPr>
+        <p:blipFill>
+          <a:blip r:embed="rId2" cstate="print">
+            <a:extLst>
+              <a:ext uri="{28A0092B-C50C-407E-A947-70E740481C1C}">
+                <a14:useLocalDpi xmlns:a14="http://schemas.microsoft.com/office/drawing/2010/main" val="0"/>
+              </a:ext>
+            </a:extLst>
+          </a:blip>
+          <a:stretch>
+            <a:fillRect/>
+          </a:stretch>
+        </p:blipFill>
+        <p:spPr>
+          <a:xfrm>
+            <a:off x="1380744" y="982132"/>
+            <a:ext cx="5422392" cy="5226875"/>
+          </a:xfrm>
+        </p:spPr>
+      </p:pic>
     </p:spTree>
     <p:extLst>
       <p:ext uri="{BB962C8B-B14F-4D97-AF65-F5344CB8AC3E}">
-        <p14:creationId xmlns:p14="http://schemas.microsoft.com/office/powerpoint/2010/main" val="2466095794"/>
+        <p14:creationId xmlns:p14="http://schemas.microsoft.com/office/powerpoint/2010/main" val="2850181108"/>
       </p:ext>
     </p:extLst>
   </p:cSld>
@@ -7590,9 +7607,9 @@
           <a:p>
             <a:r>
               <a:rPr lang="hu-HU" dirty="0" smtClean="0"/>
-              <a:t>Rendszer programozása</a:t>
-            </a:r>
-            <a:endParaRPr lang="en-GB" dirty="0"/>
+              <a:t>Rendszer leírása </a:t>
+            </a:r>
+            <a:endParaRPr lang="hu-HU" dirty="0"/>
           </a:p>
         </p:txBody>
       </p:sp>
@@ -7613,43 +7630,27 @@
           <a:p>
             <a:r>
               <a:rPr lang="hu-HU" dirty="0" smtClean="0"/>
-              <a:t>C++ alapú, egyedi kompilátorral (GCC 10.2.1 </a:t>
+              <a:t>Mérő áramkör: DAC, analóg kapcsolók, ADC</a:t>
+            </a:r>
+          </a:p>
+          <a:p>
+            <a:r>
+              <a:rPr lang="hu-HU" dirty="0" smtClean="0"/>
+              <a:t>Eredmények megjelenítése: kijelző, </a:t>
             </a:r>
             <a:r>
               <a:rPr lang="hu-HU" dirty="0" err="1" smtClean="0"/>
-              <a:t>arm-none-eabi</a:t>
+              <a:t>Serial</a:t>
             </a:r>
             <a:r>
               <a:rPr lang="hu-HU" dirty="0" smtClean="0"/>
-              <a:t>).</a:t>
+              <a:t> port</a:t>
             </a:r>
           </a:p>
           <a:p>
             <a:r>
               <a:rPr lang="hu-HU" dirty="0" smtClean="0"/>
-              <a:t>A programozás Visual </a:t>
-            </a:r>
-            <a:r>
-              <a:rPr lang="hu-HU" dirty="0" err="1" smtClean="0"/>
-              <a:t>Studio</a:t>
-            </a:r>
-            <a:r>
-              <a:rPr lang="hu-HU" dirty="0" smtClean="0"/>
-              <a:t> </a:t>
-            </a:r>
-            <a:r>
-              <a:rPr lang="hu-HU" dirty="0" err="1" smtClean="0"/>
-              <a:t>Code</a:t>
-            </a:r>
-            <a:r>
-              <a:rPr lang="hu-HU" dirty="0" smtClean="0"/>
-              <a:t> alatt történt.</a:t>
-            </a:r>
-          </a:p>
-          <a:p>
-            <a:r>
-              <a:rPr lang="hu-HU" dirty="0" smtClean="0"/>
-              <a:t>A program feltöltése egyszerű és csak egy USB kábel szükséges.</a:t>
+              <a:t>Számítások elvégzése: mikrovezérlő</a:t>
             </a:r>
             <a:endParaRPr lang="en-GB" dirty="0"/>
           </a:p>
@@ -7658,7 +7659,7 @@
     </p:spTree>
     <p:extLst>
       <p:ext uri="{BB962C8B-B14F-4D97-AF65-F5344CB8AC3E}">
-        <p14:creationId xmlns:p14="http://schemas.microsoft.com/office/powerpoint/2010/main" val="2362580827"/>
+        <p14:creationId xmlns:p14="http://schemas.microsoft.com/office/powerpoint/2010/main" val="2466095794"/>
       </p:ext>
     </p:extLst>
   </p:cSld>
